--- a/Green Light/Part2/IEPG MSc Thesis Green Light Presentation - (BCY).pptx
+++ b/Green Light/Part2/IEPG MSc Thesis Green Light Presentation - (BCY).pptx
@@ -6,10 +6,10 @@
     <p:sldMasterId id="2147483660" r:id="rId2"/>
   </p:sldMasterIdLst>
   <p:notesMasterIdLst>
-    <p:notesMasterId r:id="rId27"/>
+    <p:notesMasterId r:id="rId29"/>
   </p:notesMasterIdLst>
   <p:handoutMasterIdLst>
-    <p:handoutMasterId r:id="rId28"/>
+    <p:handoutMasterId r:id="rId30"/>
   </p:handoutMasterIdLst>
   <p:sldIdLst>
     <p:sldId id="256" r:id="rId3"/>
@@ -34,8 +34,10 @@
     <p:sldId id="345" r:id="rId22"/>
     <p:sldId id="350" r:id="rId23"/>
     <p:sldId id="348" r:id="rId24"/>
-    <p:sldId id="265" r:id="rId25"/>
-    <p:sldId id="289" r:id="rId26"/>
+    <p:sldId id="352" r:id="rId25"/>
+    <p:sldId id="354" r:id="rId26"/>
+    <p:sldId id="265" r:id="rId27"/>
+    <p:sldId id="289" r:id="rId28"/>
   </p:sldIdLst>
   <p:sldSz cx="9144000" cy="5143500" type="screen16x9"/>
   <p:notesSz cx="6858000" cy="9144000"/>
@@ -136,7 +138,7 @@
   </p:defaultTextStyle>
   <p:extLst>
     <p:ext uri="{EFAFB233-063F-42B5-8137-9DF3F51BA10A}">
-      <p15:sldGuideLst xmlns:p15="http://schemas.microsoft.com/office/powerpoint/2012/main" xmlns="">
+      <p15:sldGuideLst xmlns="" xmlns:p15="http://schemas.microsoft.com/office/powerpoint/2012/main">
         <p15:guide id="1" orient="horz" pos="1620">
           <p15:clr>
             <a:srgbClr val="A4A3A4"/>
@@ -242,7 +244,7 @@
           <a:p>
             <a:fld id="{DBAE3B3E-782A-9745-8E84-372F7B6771BF}" type="datetimeFigureOut">
               <a:rPr lang="en-US" smtClean="0"/>
-              <a:t>7/30/2020</a:t>
+              <a:t>8/17/2020</a:t>
             </a:fld>
             <a:endParaRPr lang="en-US" dirty="0"/>
           </a:p>
@@ -408,7 +410,7 @@
           <a:p>
             <a:fld id="{AB7E05D3-5C8E-4B9B-9D13-5A9224E48FE7}" type="datetimeFigureOut">
               <a:rPr lang="en-US" smtClean="0"/>
-              <a:t>7/30/2020</a:t>
+              <a:t>8/17/2020</a:t>
             </a:fld>
             <a:endParaRPr lang="en-US"/>
           </a:p>
@@ -7358,7 +7360,7 @@
         <p:spPr>
           <a:xfrm>
             <a:off x="1623060" y="505957"/>
-            <a:ext cx="7444740" cy="4493538"/>
+            <a:ext cx="7444740" cy="4278094"/>
           </a:xfrm>
           <a:prstGeom prst="rect">
             <a:avLst/>
@@ -7386,38 +7388,59 @@
               <a:buChar char="•"/>
             </a:pPr>
             <a:r>
+              <a:rPr lang="tr-TR" sz="1200" dirty="0" err="1" smtClean="0"/>
+              <a:t>It</a:t>
+            </a:r>
+            <a:r>
+              <a:rPr lang="tr-TR" sz="1200" dirty="0" smtClean="0"/>
+              <a:t> </a:t>
+            </a:r>
+            <a:r>
+              <a:rPr lang="en-GB" sz="1200" dirty="0" smtClean="0"/>
+              <a:t>is </a:t>
+            </a:r>
+            <a:r>
               <a:rPr lang="en-GB" sz="1200" dirty="0"/>
-              <a:t>MES analysis is carried out in order to understand the flexible capacity of MES in a specific area with </a:t>
+              <a:t>carried out in order </a:t>
             </a:r>
             <a:r>
               <a:rPr lang="en-GB" sz="1200" dirty="0" smtClean="0"/>
-              <a:t>selected</a:t>
-            </a:r>
-            <a:r>
-              <a:rPr lang="tr-TR" sz="1200" dirty="0" smtClean="0"/>
-              <a:t> </a:t>
+              <a:t>to </a:t>
+            </a:r>
+            <a:r>
+              <a:rPr lang="en-GB" sz="1200" dirty="0"/>
+              <a:t>investigate the seasonal weather behaviour in the area and </a:t>
             </a:r>
             <a:r>
               <a:rPr lang="en-GB" sz="1200" dirty="0" smtClean="0"/>
-              <a:t>flexible loads</a:t>
-            </a:r>
-            <a:r>
-              <a:rPr lang="tr-TR" sz="1200" dirty="0" smtClean="0"/>
-              <a:t>.</a:t>
-            </a:r>
+              <a:t>flexible </a:t>
+            </a:r>
+            <a:r>
+              <a:rPr lang="en-GB" sz="1200" dirty="0"/>
+              <a:t>capacity of </a:t>
+            </a:r>
+            <a:r>
+              <a:rPr lang="tr-TR" sz="1200" dirty="0" err="1" smtClean="0"/>
+              <a:t>considered</a:t>
+            </a:r>
+            <a:r>
+              <a:rPr lang="en-GB" sz="1200" dirty="0" smtClean="0"/>
+              <a:t> </a:t>
+            </a:r>
+            <a:r>
+              <a:rPr lang="en-GB" sz="1200" dirty="0"/>
+              <a:t>MES </a:t>
+            </a:r>
+          </a:p>
+          <a:p>
+            <a:pPr lvl="1"/>
+            <a:endParaRPr lang="tr-TR" b="1" dirty="0" smtClean="0"/>
           </a:p>
           <a:p>
             <a:pPr marL="342900" indent="-342900">
               <a:buFont typeface="+mj-lt"/>
               <a:buAutoNum type="arabicPeriod"/>
             </a:pPr>
-            <a:endParaRPr lang="tr-TR" b="1" dirty="0"/>
-          </a:p>
-          <a:p>
-            <a:pPr marL="342900" indent="-342900">
-              <a:buFont typeface="+mj-lt"/>
-              <a:buAutoNum type="arabicPeriod"/>
-            </a:pPr>
             <a:r>
               <a:rPr lang="tr-TR" b="1" dirty="0" err="1" smtClean="0"/>
               <a:t>Power</a:t>
@@ -7432,15 +7455,7 @@
             </a:r>
             <a:r>
               <a:rPr lang="tr-TR" b="1" dirty="0" smtClean="0"/>
-              <a:t>-X Model </a:t>
-            </a:r>
-            <a:r>
-              <a:rPr lang="tr-TR" b="1" dirty="0" err="1" smtClean="0"/>
-              <a:t>Comparison</a:t>
-            </a:r>
-            <a:r>
-              <a:rPr lang="tr-TR" b="1" dirty="0" smtClean="0"/>
-              <a:t>:</a:t>
+              <a:t>-X Analysis:</a:t>
             </a:r>
           </a:p>
           <a:p>
@@ -7449,8 +7464,16 @@
               <a:buChar char="•"/>
             </a:pPr>
             <a:r>
+              <a:rPr lang="en-GB" sz="1200" dirty="0" smtClean="0"/>
+              <a:t>Efficiency </a:t>
+            </a:r>
+            <a:r>
               <a:rPr lang="en-GB" sz="1200" dirty="0"/>
-              <a:t>Efficiency characters of different models </a:t>
+              <a:t>characters of </a:t>
+            </a:r>
+            <a:r>
+              <a:rPr lang="en-GB" sz="1200" dirty="0" smtClean="0"/>
+              <a:t>different models </a:t>
             </a:r>
             <a:r>
               <a:rPr lang="tr-TR" sz="1200" dirty="0" err="1" smtClean="0"/>
@@ -7458,11 +7481,11 @@
             </a:r>
             <a:r>
               <a:rPr lang="en-GB" sz="1200" dirty="0" smtClean="0"/>
-              <a:t> </a:t>
+              <a:t> compared in </a:t>
             </a:r>
             <a:r>
               <a:rPr lang="en-GB" sz="1200" dirty="0"/>
-              <a:t>compared in order to investigate the </a:t>
+              <a:t>order to investigate the </a:t>
             </a:r>
             <a:r>
               <a:rPr lang="en-GB" sz="1200" dirty="0" smtClean="0"/>
@@ -7533,47 +7556,23 @@
             </a:r>
             <a:r>
               <a:rPr lang="tr-TR" sz="1200" dirty="0" smtClean="0"/>
-              <a:t>: W</a:t>
-            </a:r>
-            <a:r>
-              <a:rPr lang="en-GB" sz="1200" dirty="0" err="1" smtClean="0"/>
-              <a:t>ithout</a:t>
+              <a:t>: </a:t>
             </a:r>
             <a:r>
               <a:rPr lang="en-GB" sz="1200" dirty="0" smtClean="0"/>
-              <a:t> </a:t>
+              <a:t>It </a:t>
             </a:r>
             <a:r>
               <a:rPr lang="en-GB" sz="1200" dirty="0"/>
-              <a:t>any flexibility service, </a:t>
-            </a:r>
-            <a:r>
-              <a:rPr lang="en-GB" sz="1200" dirty="0" err="1" smtClean="0"/>
-              <a:t>measur</a:t>
-            </a:r>
-            <a:r>
-              <a:rPr lang="tr-TR" sz="1200" dirty="0" err="1" smtClean="0"/>
-              <a:t>ing</a:t>
-            </a:r>
-            <a:r>
-              <a:rPr lang="en-GB" sz="1200" dirty="0" smtClean="0"/>
-              <a:t> </a:t>
+              <a:t>is assumed that none of the </a:t>
+            </a:r>
+            <a:r>
+              <a:rPr lang="en-GB" sz="1200" dirty="0" err="1"/>
+              <a:t>PtX</a:t>
             </a:r>
             <a:r>
               <a:rPr lang="en-GB" sz="1200" dirty="0"/>
-              <a:t>the amount of </a:t>
-            </a:r>
-            <a:r>
-              <a:rPr lang="tr-TR" sz="1200" dirty="0" err="1" smtClean="0"/>
-              <a:t>curtailed</a:t>
-            </a:r>
-            <a:r>
-              <a:rPr lang="en-GB" sz="1200" dirty="0" smtClean="0"/>
-              <a:t> </a:t>
-            </a:r>
-            <a:r>
-              <a:rPr lang="en-GB" sz="1200" dirty="0"/>
-              <a:t>RE with scheduled gas &amp; heat demand profiles, None of the P2X available for flexibility service.</a:t>
+              <a:t> is available for flexibility service. Without any flexibility service, measuring the flexible demand of MES.</a:t>
             </a:r>
           </a:p>
           <a:p>
@@ -7598,111 +7597,67 @@
             </a:r>
             <a:r>
               <a:rPr lang="tr-TR" sz="1200" b="1" dirty="0" smtClean="0"/>
-              <a:t> (</a:t>
-            </a:r>
-            <a:r>
-              <a:rPr lang="tr-TR" sz="1200" b="1" dirty="0" err="1" smtClean="0"/>
-              <a:t>Hidden</a:t>
-            </a:r>
-            <a:r>
-              <a:rPr lang="tr-TR" sz="1200" b="1" dirty="0" smtClean="0"/>
-              <a:t> </a:t>
-            </a:r>
-            <a:r>
-              <a:rPr lang="tr-TR" sz="1200" b="1" dirty="0" err="1" smtClean="0"/>
-              <a:t>Flexibility</a:t>
-            </a:r>
-            <a:r>
-              <a:rPr lang="tr-TR" sz="1200" b="1" dirty="0" smtClean="0"/>
-              <a:t>): </a:t>
+              <a:t>: </a:t>
             </a:r>
             <a:r>
               <a:rPr lang="en-GB" sz="1200" dirty="0" smtClean="0"/>
-              <a:t>For </a:t>
+              <a:t>It </a:t>
             </a:r>
             <a:r>
               <a:rPr lang="en-GB" sz="1200" dirty="0"/>
-              <a:t>a given flexibility request, </a:t>
-            </a:r>
-            <a:r>
-              <a:rPr lang="en-GB" sz="1200" dirty="0" err="1" smtClean="0"/>
-              <a:t>compar</a:t>
+              <a:t>is assumed that only one </a:t>
+            </a:r>
+            <a:r>
+              <a:rPr lang="en-GB" sz="1200" dirty="0" smtClean="0"/>
+              <a:t>P</a:t>
+            </a:r>
+            <a:r>
+              <a:rPr lang="tr-TR" sz="1200" dirty="0" smtClean="0"/>
+              <a:t>t</a:t>
+            </a:r>
+            <a:r>
+              <a:rPr lang="en-GB" sz="1200" dirty="0" smtClean="0"/>
+              <a:t>X </a:t>
+            </a:r>
+            <a:r>
+              <a:rPr lang="en-GB" sz="1200" dirty="0"/>
+              <a:t>is available for flexibility service. Comparing both </a:t>
+            </a:r>
+            <a:r>
+              <a:rPr lang="en-GB" sz="1200" dirty="0" err="1"/>
+              <a:t>PtX</a:t>
+            </a:r>
+            <a:r>
+              <a:rPr lang="en-GB" sz="1200" dirty="0"/>
+              <a:t> options with respect to reduction in flexible </a:t>
+            </a:r>
+            <a:r>
+              <a:rPr lang="en-GB" sz="1200" dirty="0" smtClean="0"/>
+              <a:t>demand</a:t>
+            </a:r>
+            <a:r>
+              <a:rPr lang="tr-TR" sz="1200" dirty="0" smtClean="0"/>
+              <a:t> </a:t>
+            </a:r>
+            <a:r>
+              <a:rPr lang="en-GB" sz="1200" dirty="0" smtClean="0"/>
+              <a:t>of </a:t>
+            </a:r>
+            <a:r>
+              <a:rPr lang="en-GB" sz="1200" dirty="0"/>
+              <a:t>MES after flexibility service. Comparing the energy output of </a:t>
             </a:r>
             <a:r>
               <a:rPr lang="tr-TR" sz="1200" dirty="0" err="1" smtClean="0"/>
-              <a:t>ing</a:t>
+              <a:t>each</a:t>
             </a:r>
             <a:r>
               <a:rPr lang="en-GB" sz="1200" dirty="0" smtClean="0"/>
-              <a:t> the</a:t>
-            </a:r>
-            <a:r>
-              <a:rPr lang="tr-TR" sz="1200" dirty="0" smtClean="0"/>
-              <a:t> </a:t>
-            </a:r>
-            <a:r>
-              <a:rPr lang="tr-TR" sz="1200" dirty="0" err="1" smtClean="0"/>
-              <a:t>power</a:t>
-            </a:r>
-            <a:r>
-              <a:rPr lang="tr-TR" sz="1200" dirty="0" smtClean="0"/>
-              <a:t> </a:t>
-            </a:r>
-            <a:r>
-              <a:rPr lang="tr-TR" sz="1200" dirty="0" err="1" smtClean="0"/>
-              <a:t>flow</a:t>
-            </a:r>
-            <a:r>
-              <a:rPr lang="tr-TR" sz="1200" dirty="0" smtClean="0"/>
-              <a:t> </a:t>
-            </a:r>
-            <a:r>
-              <a:rPr lang="tr-TR" sz="1200" dirty="0" err="1" smtClean="0"/>
-              <a:t>results</a:t>
-            </a:r>
-            <a:r>
-              <a:rPr lang="tr-TR" sz="1200" dirty="0" smtClean="0"/>
-              <a:t> of</a:t>
-            </a:r>
-            <a:r>
-              <a:rPr lang="en-GB" sz="1200" dirty="0" smtClean="0"/>
-              <a:t> </a:t>
+              <a:t> model </a:t>
             </a:r>
             <a:r>
               <a:rPr lang="en-GB" sz="1200" dirty="0"/>
-              <a:t>developed </a:t>
-            </a:r>
-            <a:r>
-              <a:rPr lang="en-GB" sz="1200" dirty="0" smtClean="0"/>
-              <a:t>model</a:t>
-            </a:r>
-            <a:r>
-              <a:rPr lang="tr-TR" sz="1200" dirty="0" smtClean="0"/>
-              <a:t>s</a:t>
-            </a:r>
-            <a:r>
-              <a:rPr lang="en-GB" sz="1200" dirty="0" smtClean="0"/>
-              <a:t> </a:t>
-            </a:r>
-            <a:r>
-              <a:rPr lang="en-GB" sz="1200" dirty="0"/>
-              <a:t>and quantify hidden </a:t>
-            </a:r>
-            <a:r>
-              <a:rPr lang="en-GB" sz="1200" dirty="0" smtClean="0"/>
-              <a:t>flexibility</a:t>
-            </a:r>
-            <a:r>
-              <a:rPr lang="tr-TR" sz="1200" dirty="0" smtClean="0"/>
-              <a:t> </a:t>
-            </a:r>
-            <a:r>
-              <a:rPr lang="tr-TR" sz="1200" dirty="0" err="1" smtClean="0"/>
-              <a:t>from</a:t>
-            </a:r>
-            <a:r>
-              <a:rPr lang="tr-TR" sz="1200" dirty="0" smtClean="0"/>
-              <a:t> </a:t>
+              <a:t>for </a:t>
             </a:r>
             <a:r>
               <a:rPr lang="tr-TR" sz="1200" dirty="0" err="1" smtClean="0"/>
@@ -7714,36 +7669,25 @@
             </a:r>
             <a:r>
               <a:rPr lang="tr-TR" sz="1200" dirty="0" err="1" smtClean="0"/>
-              <a:t>amount</a:t>
+              <a:t>same</a:t>
+            </a:r>
+            <a:r>
+              <a:rPr lang="en-GB" sz="1200" dirty="0" smtClean="0"/>
+              <a:t> flexibility</a:t>
+            </a:r>
+            <a:r>
+              <a:rPr lang="tr-TR" sz="1200" dirty="0"/>
+              <a:t> </a:t>
             </a:r>
             <a:r>
               <a:rPr lang="tr-TR" sz="1200" dirty="0" smtClean="0"/>
-              <a:t> of </a:t>
-            </a:r>
-            <a:r>
-              <a:rPr lang="tr-TR" sz="1200" dirty="0" err="1" smtClean="0"/>
-              <a:t>energy</a:t>
-            </a:r>
-            <a:r>
-              <a:rPr lang="tr-TR" sz="1200" dirty="0" smtClean="0"/>
-              <a:t> </a:t>
-            </a:r>
-            <a:r>
-              <a:rPr lang="tr-TR" sz="1200" dirty="0" err="1" smtClean="0"/>
-              <a:t>output</a:t>
-            </a:r>
-            <a:r>
-              <a:rPr lang="tr-TR" sz="1200" dirty="0" smtClean="0"/>
-              <a:t> of P2X</a:t>
+              <a:t>service</a:t>
             </a:r>
             <a:r>
               <a:rPr lang="en-GB" sz="1200" dirty="0" smtClean="0"/>
-              <a:t>. </a:t>
-            </a:r>
-            <a:r>
-              <a:rPr lang="en-GB" sz="1200" dirty="0"/>
-              <a:t>Single P2X available for flexibility service.</a:t>
-            </a:r>
+              <a:t>.</a:t>
+            </a:r>
+            <a:endParaRPr lang="tr-TR" sz="1200" dirty="0" smtClean="0"/>
           </a:p>
           <a:p>
             <a:pPr marL="742950" lvl="1" indent="-285750">
@@ -7766,28 +7710,36 @@
               <a:t>case</a:t>
             </a:r>
             <a:r>
-              <a:rPr lang="tr-TR" sz="1200" b="1" dirty="0" smtClean="0"/>
-              <a:t> (Optimal Deployment of </a:t>
-            </a:r>
-            <a:r>
-              <a:rPr lang="tr-TR" sz="1200" b="1" dirty="0" err="1" smtClean="0"/>
-              <a:t>Flexibility</a:t>
-            </a:r>
-            <a:r>
-              <a:rPr lang="tr-TR" sz="1200" b="1" dirty="0" smtClean="0"/>
-              <a:t>):</a:t>
+              <a:rPr lang="tr-TR" sz="1200" dirty="0" smtClean="0"/>
+              <a:t>: </a:t>
             </a:r>
             <a:r>
               <a:rPr lang="en-GB" sz="1200" dirty="0"/>
-              <a:t>With Market DR </a:t>
+              <a:t>It is assumed that </a:t>
+            </a:r>
+            <a:r>
+              <a:rPr lang="tr-TR" sz="1200" dirty="0" err="1" smtClean="0"/>
+              <a:t>both</a:t>
+            </a:r>
+            <a:r>
+              <a:rPr lang="tr-TR" sz="1200" dirty="0" smtClean="0"/>
+              <a:t> </a:t>
             </a:r>
             <a:r>
               <a:rPr lang="en-GB" sz="1200" dirty="0" smtClean="0"/>
-              <a:t>(</a:t>
+              <a:t>P2X</a:t>
+            </a:r>
+            <a:r>
+              <a:rPr lang="tr-TR" sz="1200" dirty="0" smtClean="0"/>
+              <a:t>s</a:t>
+            </a:r>
+            <a:r>
+              <a:rPr lang="en-GB" sz="1200" dirty="0" smtClean="0"/>
+              <a:t> </a:t>
             </a:r>
             <a:r>
               <a:rPr lang="tr-TR" sz="1200" dirty="0" err="1" smtClean="0"/>
-              <a:t>cost</a:t>
+              <a:t>are</a:t>
             </a:r>
             <a:r>
               <a:rPr lang="en-GB" sz="1200" dirty="0" smtClean="0"/>
@@ -7795,75 +7747,80 @@
             </a:r>
             <a:r>
               <a:rPr lang="en-GB" sz="1200" dirty="0"/>
-              <a:t>signals) </a:t>
+              <a:t>available for flexibility service.</a:t>
+            </a:r>
+            <a:r>
+              <a:rPr lang="tr-TR" sz="1200" dirty="0" smtClean="0"/>
+              <a:t> </a:t>
             </a:r>
             <a:r>
               <a:rPr lang="en-GB" sz="1200" dirty="0" smtClean="0"/>
-              <a:t>and</a:t>
+              <a:t>Considering cost signals and adjustable power level constraints, measuring</a:t>
             </a:r>
             <a:r>
               <a:rPr lang="tr-TR" sz="1200" dirty="0" smtClean="0"/>
               <a:t> </a:t>
             </a:r>
             <a:r>
+              <a:rPr lang="en-GB" sz="1200" dirty="0" smtClean="0"/>
+              <a:t>the </a:t>
+            </a:r>
+            <a:r>
               <a:rPr lang="tr-TR" sz="1200" dirty="0" err="1" smtClean="0"/>
-              <a:t>Physical</a:t>
+              <a:t>deployment</a:t>
             </a:r>
             <a:r>
               <a:rPr lang="tr-TR" sz="1200" dirty="0" smtClean="0"/>
-              <a:t> DR(</a:t>
+              <a:t> of </a:t>
             </a:r>
             <a:r>
               <a:rPr lang="en-GB" sz="1200" dirty="0" smtClean="0"/>
-              <a:t>adjustable </a:t>
+              <a:t>flexibility </a:t>
             </a:r>
             <a:r>
               <a:rPr lang="en-GB" sz="1200" dirty="0"/>
-              <a:t>power level </a:t>
+              <a:t>between </a:t>
             </a:r>
             <a:r>
               <a:rPr lang="en-GB" sz="1200" dirty="0" smtClean="0"/>
-              <a:t>control</a:t>
+              <a:t>P</a:t>
             </a:r>
             <a:r>
               <a:rPr lang="tr-TR" sz="1200" dirty="0" smtClean="0"/>
-              <a:t>)</a:t>
+              <a:t>t</a:t>
             </a:r>
             <a:r>
               <a:rPr lang="en-GB" sz="1200" dirty="0" smtClean="0"/>
-              <a:t>,  </a:t>
-            </a:r>
-            <a:r>
-              <a:rPr lang="en-GB" sz="1200" dirty="0" err="1" smtClean="0"/>
-              <a:t>measur</a:t>
-            </a:r>
-            <a:r>
-              <a:rPr lang="tr-TR" sz="1200" dirty="0" err="1" smtClean="0"/>
-              <a:t>ing</a:t>
+              <a:t>G </a:t>
+            </a:r>
+            <a:r>
+              <a:rPr lang="en-GB" sz="1200" dirty="0"/>
+              <a:t>&amp; </a:t>
             </a:r>
             <a:r>
               <a:rPr lang="en-GB" sz="1200" dirty="0" smtClean="0"/>
-              <a:t> </a:t>
+              <a:t>P</a:t>
+            </a:r>
+            <a:r>
+              <a:rPr lang="tr-TR" sz="1200" dirty="0" smtClean="0"/>
+              <a:t>t</a:t>
+            </a:r>
+            <a:r>
+              <a:rPr lang="en-GB" sz="1200" dirty="0" smtClean="0"/>
+              <a:t>H </a:t>
             </a:r>
             <a:r>
               <a:rPr lang="en-GB" sz="1200" dirty="0"/>
-              <a:t>the amount of shared flexibility between P2G &amp; P2H and quantify the reduction in total operational cost. Both P2X available for flexibility </a:t>
+              <a:t>and quantifying the reduction in total </a:t>
             </a:r>
             <a:r>
               <a:rPr lang="en-GB" sz="1200" dirty="0" smtClean="0"/>
-              <a:t>service</a:t>
+              <a:t>operational</a:t>
             </a:r>
             <a:r>
               <a:rPr lang="tr-TR" sz="1200" dirty="0" smtClean="0"/>
               <a:t>.</a:t>
             </a:r>
-            <a:endParaRPr lang="en-GB" sz="1200" dirty="0"/>
-          </a:p>
-          <a:p>
-            <a:pPr marL="742950" lvl="1" indent="-285750">
-              <a:buFont typeface="Arial" panose="020B0604020202020204" pitchFamily="34" charset="0"/>
-              <a:buChar char="•"/>
-            </a:pPr>
             <a:endParaRPr lang="tr-TR" sz="1400" dirty="0" smtClean="0"/>
           </a:p>
           <a:p>
@@ -7899,8 +7856,12 @@
           </a:p>
           <a:p>
             <a:r>
+              <a:rPr lang="tr-TR" sz="900" dirty="0" err="1" smtClean="0"/>
+              <a:t>PtG</a:t>
+            </a:r>
+            <a:r>
               <a:rPr lang="tr-TR" sz="900" dirty="0" smtClean="0"/>
-              <a:t>P2G: </a:t>
+              <a:t>: </a:t>
             </a:r>
             <a:r>
               <a:rPr lang="tr-TR" sz="900" dirty="0" err="1" smtClean="0"/>
@@ -7910,8 +7871,12 @@
           </a:p>
           <a:p>
             <a:r>
+              <a:rPr lang="tr-TR" sz="900" dirty="0" err="1" smtClean="0"/>
+              <a:t>PtH</a:t>
+            </a:r>
+            <a:r>
               <a:rPr lang="tr-TR" sz="900" dirty="0" smtClean="0"/>
-              <a:t>P2H: </a:t>
+              <a:t>: </a:t>
             </a:r>
             <a:r>
               <a:rPr lang="tr-TR" sz="900" dirty="0" err="1" smtClean="0"/>
@@ -11060,7 +11025,7 @@
       </p:sp>
       <p:pic>
         <p:nvPicPr>
-          <p:cNvPr id="12291" name="Picture 3" descr="C:\Users\Caner\Desktop\9.PNG"/>
+          <p:cNvPr id="12292" name="Picture 4" descr="C:\Users\Caner\Desktop\10.PNG"/>
           <p:cNvPicPr>
             <a:picLocks noChangeAspect="1" noChangeArrowheads="1"/>
           </p:cNvPicPr>
@@ -11068,47 +11033,6 @@
         </p:nvPicPr>
         <p:blipFill>
           <a:blip r:embed="rId2">
-            <a:extLst>
-              <a:ext uri="{28A0092B-C50C-407E-A947-70E740481C1C}">
-                <a14:useLocalDpi xmlns:a14="http://schemas.microsoft.com/office/drawing/2010/main" val="0"/>
-              </a:ext>
-            </a:extLst>
-          </a:blip>
-          <a:srcRect/>
-          <a:stretch>
-            <a:fillRect/>
-          </a:stretch>
-        </p:blipFill>
-        <p:spPr bwMode="auto">
-          <a:xfrm>
-            <a:off x="2338501" y="2063650"/>
-            <a:ext cx="5269230" cy="1012254"/>
-          </a:xfrm>
-          <a:prstGeom prst="rect">
-            <a:avLst/>
-          </a:prstGeom>
-          <a:noFill/>
-          <a:extLst>
-            <a:ext uri="{909E8E84-426E-40DD-AFC4-6F175D3DCCD1}">
-              <a14:hiddenFill xmlns:a14="http://schemas.microsoft.com/office/drawing/2010/main">
-                <a:solidFill>
-                  <a:srgbClr val="FFFFFF"/>
-                </a:solidFill>
-              </a14:hiddenFill>
-            </a:ext>
-          </a:extLst>
-        </p:spPr>
-      </p:pic>
-      <p:pic>
-        <p:nvPicPr>
-          <p:cNvPr id="12292" name="Picture 4" descr="C:\Users\Caner\Desktop\10.PNG"/>
-          <p:cNvPicPr>
-            <a:picLocks noChangeAspect="1" noChangeArrowheads="1"/>
-          </p:cNvPicPr>
-          <p:nvPr/>
-        </p:nvPicPr>
-        <p:blipFill>
-          <a:blip r:embed="rId3">
             <a:extLst>
               <a:ext uri="{28A0092B-C50C-407E-A947-70E740481C1C}">
                 <a14:useLocalDpi xmlns:a14="http://schemas.microsoft.com/office/drawing/2010/main" val="0"/>
@@ -11149,7 +11073,7 @@
           <p:nvPr/>
         </p:nvPicPr>
         <p:blipFill>
-          <a:blip r:embed="rId4">
+          <a:blip r:embed="rId3">
             <a:extLst>
               <a:ext uri="{28A0092B-C50C-407E-A947-70E740481C1C}">
                 <a14:useLocalDpi xmlns:a14="http://schemas.microsoft.com/office/drawing/2010/main" val="0"/>
@@ -11192,7 +11116,7 @@
             <p:spPr>
               <a:xfrm>
                 <a:off x="2057922" y="676656"/>
-                <a:ext cx="5830388" cy="1200329"/>
+                <a:ext cx="5830388" cy="1221745"/>
               </a:xfrm>
               <a:prstGeom prst="rect">
                 <a:avLst/>
@@ -11209,6 +11133,163 @@
                   <a:buFont typeface="Arial" panose="020B0604020202020204" pitchFamily="34" charset="0"/>
                   <a:buChar char="•"/>
                 </a:pPr>
+                <a14:m>
+                  <m:oMath xmlns:m="http://schemas.openxmlformats.org/officeDocument/2006/math">
+                    <m:sSub>
+                      <m:sSubPr>
+                        <m:ctrlPr>
+                          <a:rPr lang="en-GB" i="1">
+                            <a:latin typeface="Cambria Math"/>
+                          </a:rPr>
+                        </m:ctrlPr>
+                      </m:sSubPr>
+                      <m:e>
+                        <m:r>
+                          <m:rPr>
+                            <m:nor/>
+                          </m:rPr>
+                          <a:rPr lang="tr-TR" dirty="0"/>
+                          <m:t>Cost</m:t>
+                        </m:r>
+                        <m:r>
+                          <m:rPr>
+                            <m:nor/>
+                          </m:rPr>
+                          <a:rPr lang="tr-TR" dirty="0"/>
+                          <m:t> </m:t>
+                        </m:r>
+                        <m:r>
+                          <m:rPr>
+                            <m:nor/>
+                          </m:rPr>
+                          <a:rPr lang="tr-TR" dirty="0"/>
+                          <m:t>function</m:t>
+                        </m:r>
+                        <m:r>
+                          <m:rPr>
+                            <m:nor/>
+                          </m:rPr>
+                          <a:rPr lang="tr-TR" dirty="0"/>
+                          <m:t>: </m:t>
+                        </m:r>
+                        <m:r>
+                          <m:rPr>
+                            <m:nor/>
+                          </m:rPr>
+                          <a:rPr lang="en-GB" dirty="0"/>
+                          <m:t> </m:t>
+                        </m:r>
+                        <m:r>
+                          <a:rPr lang="en-GB" i="1">
+                            <a:latin typeface="Cambria Math"/>
+                          </a:rPr>
+                          <m:t>𝑓</m:t>
+                        </m:r>
+                      </m:e>
+                      <m:sub>
+                        <m:r>
+                          <a:rPr lang="en-GB" i="1">
+                            <a:latin typeface="Cambria Math"/>
+                          </a:rPr>
+                          <m:t>𝑝𝑜𝑙</m:t>
+                        </m:r>
+                      </m:sub>
+                    </m:sSub>
+                    <m:d>
+                      <m:dPr>
+                        <m:ctrlPr>
+                          <a:rPr lang="en-GB" i="1">
+                            <a:latin typeface="Cambria Math"/>
+                          </a:rPr>
+                        </m:ctrlPr>
+                      </m:dPr>
+                      <m:e>
+                        <m:r>
+                          <a:rPr lang="en-GB" i="1">
+                            <a:latin typeface="Cambria Math"/>
+                          </a:rPr>
+                          <m:t>𝑝</m:t>
+                        </m:r>
+                      </m:e>
+                    </m:d>
+                    <m:r>
+                      <a:rPr lang="en-GB" i="1">
+                        <a:latin typeface="Cambria Math"/>
+                      </a:rPr>
+                      <m:t>=</m:t>
+                    </m:r>
+                    <m:sSub>
+                      <m:sSubPr>
+                        <m:ctrlPr>
+                          <a:rPr lang="en-GB" i="1" smtClean="0">
+                            <a:solidFill>
+                              <a:schemeClr val="tx1"/>
+                            </a:solidFill>
+                            <a:latin typeface="Cambria Math"/>
+                          </a:rPr>
+                        </m:ctrlPr>
+                      </m:sSubPr>
+                      <m:e>
+                        <m:r>
+                          <a:rPr lang="en-GB" i="1">
+                            <a:solidFill>
+                              <a:schemeClr val="tx1"/>
+                            </a:solidFill>
+                            <a:latin typeface="Cambria Math"/>
+                          </a:rPr>
+                          <m:t>𝑐</m:t>
+                        </m:r>
+                      </m:e>
+                      <m:sub>
+                        <m:r>
+                          <a:rPr lang="en-GB" i="1">
+                            <a:solidFill>
+                              <a:schemeClr val="tx1"/>
+                            </a:solidFill>
+                            <a:latin typeface="Cambria Math"/>
+                          </a:rPr>
+                          <m:t>1</m:t>
+                        </m:r>
+                      </m:sub>
+                    </m:sSub>
+                    <m:r>
+                      <a:rPr lang="en-GB" i="1">
+                        <a:latin typeface="Cambria Math"/>
+                      </a:rPr>
+                      <m:t>𝑝</m:t>
+                    </m:r>
+                    <m:r>
+                      <a:rPr lang="tr-TR" i="1">
+                        <a:latin typeface="Cambria Math"/>
+                      </a:rPr>
+                      <m:t> [</m:t>
+                    </m:r>
+                    <m:r>
+                      <a:rPr lang="tr-TR" i="1">
+                        <a:latin typeface="Cambria Math"/>
+                      </a:rPr>
+                      <m:t>𝐸𝑈𝑅</m:t>
+                    </m:r>
+                    <m:r>
+                      <a:rPr lang="tr-TR" i="1">
+                        <a:latin typeface="Cambria Math"/>
+                      </a:rPr>
+                      <m:t>/</m:t>
+                    </m:r>
+                    <m:r>
+                      <a:rPr lang="tr-TR" i="1">
+                        <a:latin typeface="Cambria Math"/>
+                      </a:rPr>
+                      <m:t>𝑀𝑊h</m:t>
+                    </m:r>
+                    <m:r>
+                      <a:rPr lang="tr-TR" i="1" smtClean="0">
+                        <a:latin typeface="Cambria Math"/>
+                      </a:rPr>
+                      <m:t>]</m:t>
+                    </m:r>
+                  </m:oMath>
+                </a14:m>
                 <a:endParaRPr lang="tr-TR" dirty="0" smtClean="0"/>
               </a:p>
               <a:p>
@@ -11229,9 +11310,9 @@
                     <m:sSub>
                       <m:sSubPr>
                         <m:ctrlPr>
-                          <a:rPr lang="en-GB" i="1">
+                          <a:rPr lang="en-GB" i="1" smtClean="0">
                             <a:solidFill>
-                              <a:srgbClr val="FF0000"/>
+                              <a:schemeClr val="tx1"/>
                             </a:solidFill>
                             <a:latin typeface="Cambria Math"/>
                           </a:rPr>
@@ -11241,7 +11322,7 @@
                         <m:r>
                           <a:rPr lang="en-GB" i="1">
                             <a:solidFill>
-                              <a:srgbClr val="FF0000"/>
+                              <a:schemeClr val="tx1"/>
                             </a:solidFill>
                             <a:latin typeface="Cambria Math"/>
                           </a:rPr>
@@ -11252,7 +11333,7 @@
                         <m:r>
                           <a:rPr lang="en-GB" i="1">
                             <a:solidFill>
-                              <a:srgbClr val="FF0000"/>
+                              <a:schemeClr val="tx1"/>
                             </a:solidFill>
                             <a:latin typeface="Cambria Math"/>
                           </a:rPr>
@@ -11370,7 +11451,7 @@
             <p:spPr>
               <a:xfrm>
                 <a:off x="2057922" y="676656"/>
-                <a:ext cx="5830388" cy="1200329"/>
+                <a:ext cx="5830388" cy="1221745"/>
               </a:xfrm>
               <a:prstGeom prst="rect">
                 <a:avLst/>
@@ -11378,7 +11459,7 @@
               <a:blipFill rotWithShape="1">
                 <a:blip r:embed="rId5"/>
                 <a:stretch>
-                  <a:fillRect l="-732" b="-7107"/>
+                  <a:fillRect l="-732" t="-500" b="-7500"/>
                 </a:stretch>
               </a:blipFill>
             </p:spPr>
@@ -11397,201 +11478,47 @@
           </p:sp>
         </mc:Fallback>
       </mc:AlternateContent>
-      <mc:AlternateContent xmlns:mc="http://schemas.openxmlformats.org/markup-compatibility/2006" xmlns:a14="http://schemas.microsoft.com/office/drawing/2010/main">
-        <mc:Choice Requires="a14">
-          <p:sp>
-            <p:nvSpPr>
-              <p:cNvPr id="7" name="Dikdörtgen 6"/>
-              <p:cNvSpPr/>
-              <p:nvPr/>
-            </p:nvSpPr>
-            <p:spPr>
-              <a:xfrm>
-                <a:off x="2260708" y="566256"/>
-                <a:ext cx="2908040" cy="390748"/>
-              </a:xfrm>
-              <a:prstGeom prst="rect">
-                <a:avLst/>
-              </a:prstGeom>
-            </p:spPr>
-            <p:txBody>
-              <a:bodyPr wrap="none">
-                <a:spAutoFit/>
-              </a:bodyPr>
-              <a:lstStyle/>
-              <a:p>
-                <a:pPr/>
-                <a14:m>
-                  <m:oMathPara xmlns:m="http://schemas.openxmlformats.org/officeDocument/2006/math">
-                    <m:oMathParaPr>
-                      <m:jc m:val="centerGroup"/>
-                    </m:oMathParaPr>
-                    <m:oMath xmlns:m="http://schemas.openxmlformats.org/officeDocument/2006/math">
-                      <m:sSub>
-                        <m:sSubPr>
-                          <m:ctrlPr>
-                            <a:rPr lang="en-GB" i="1" smtClean="0">
-                              <a:latin typeface="Cambria Math"/>
-                            </a:rPr>
-                          </m:ctrlPr>
-                        </m:sSubPr>
-                        <m:e>
-                          <m:r>
-                            <a:rPr lang="en-GB" i="1">
-                              <a:latin typeface="Cambria Math"/>
-                            </a:rPr>
-                            <m:t>𝑓</m:t>
-                          </m:r>
-                        </m:e>
-                        <m:sub>
-                          <m:r>
-                            <a:rPr lang="en-GB" i="1">
-                              <a:latin typeface="Cambria Math"/>
-                            </a:rPr>
-                            <m:t>𝑝𝑜𝑙</m:t>
-                          </m:r>
-                        </m:sub>
-                      </m:sSub>
-                      <m:d>
-                        <m:dPr>
-                          <m:ctrlPr>
-                            <a:rPr lang="en-GB" i="1">
-                              <a:latin typeface="Cambria Math"/>
-                            </a:rPr>
-                          </m:ctrlPr>
-                        </m:dPr>
-                        <m:e>
-                          <m:r>
-                            <a:rPr lang="en-GB" i="1">
-                              <a:latin typeface="Cambria Math"/>
-                            </a:rPr>
-                            <m:t>𝑝</m:t>
-                          </m:r>
-                        </m:e>
-                      </m:d>
-                      <m:r>
-                        <a:rPr lang="en-GB" i="1">
-                          <a:latin typeface="Cambria Math"/>
-                        </a:rPr>
-                        <m:t>=</m:t>
-                      </m:r>
-                      <m:sSub>
-                        <m:sSubPr>
-                          <m:ctrlPr>
-                            <a:rPr lang="en-GB" i="1" smtClean="0">
-                              <a:solidFill>
-                                <a:srgbClr val="FF0000"/>
-                              </a:solidFill>
-                              <a:latin typeface="Cambria Math"/>
-                            </a:rPr>
-                          </m:ctrlPr>
-                        </m:sSubPr>
-                        <m:e>
-                          <m:r>
-                            <a:rPr lang="en-GB" i="1">
-                              <a:solidFill>
-                                <a:srgbClr val="FF0000"/>
-                              </a:solidFill>
-                              <a:latin typeface="Cambria Math"/>
-                            </a:rPr>
-                            <m:t>𝑐</m:t>
-                          </m:r>
-                        </m:e>
-                        <m:sub>
-                          <m:r>
-                            <a:rPr lang="en-GB" i="1">
-                              <a:solidFill>
-                                <a:srgbClr val="FF0000"/>
-                              </a:solidFill>
-                              <a:latin typeface="Cambria Math"/>
-                            </a:rPr>
-                            <m:t>1</m:t>
-                          </m:r>
-                        </m:sub>
-                      </m:sSub>
-                      <m:r>
-                        <a:rPr lang="en-GB" i="1">
-                          <a:latin typeface="Cambria Math"/>
-                        </a:rPr>
-                        <m:t>𝑝</m:t>
-                      </m:r>
-                      <m:r>
-                        <a:rPr lang="tr-TR" b="0" i="1" smtClean="0">
-                          <a:latin typeface="Cambria Math"/>
-                        </a:rPr>
-                        <m:t> [</m:t>
-                      </m:r>
-                      <m:r>
-                        <a:rPr lang="tr-TR" b="0" i="1" smtClean="0">
-                          <a:latin typeface="Cambria Math"/>
-                        </a:rPr>
-                        <m:t>𝐸𝑈𝑅</m:t>
-                      </m:r>
-                      <m:r>
-                        <a:rPr lang="tr-TR" b="0" i="1" smtClean="0">
-                          <a:latin typeface="Cambria Math"/>
-                        </a:rPr>
-                        <m:t>/</m:t>
-                      </m:r>
-                      <m:r>
-                        <a:rPr lang="tr-TR" b="0" i="1" smtClean="0">
-                          <a:latin typeface="Cambria Math"/>
-                        </a:rPr>
-                        <m:t>𝑀𝑊h</m:t>
-                      </m:r>
-                      <m:r>
-                        <a:rPr lang="tr-TR" b="0" i="1" smtClean="0">
-                          <a:latin typeface="Cambria Math"/>
-                        </a:rPr>
-                        <m:t>]</m:t>
-                      </m:r>
-                    </m:oMath>
-                  </m:oMathPara>
-                </a14:m>
-                <a:endParaRPr lang="en-GB" dirty="0"/>
-              </a:p>
-            </p:txBody>
-          </p:sp>
-        </mc:Choice>
-        <mc:Fallback xmlns="">
-          <p:sp>
-            <p:nvSpPr>
-              <p:cNvPr id="7" name="Dikdörtgen 6"/>
-              <p:cNvSpPr>
-                <a:spLocks noRot="1" noChangeAspect="1" noMove="1" noResize="1" noEditPoints="1" noAdjustHandles="1" noChangeArrowheads="1" noChangeShapeType="1" noTextEdit="1"/>
-              </p:cNvSpPr>
-              <p:nvPr/>
-            </p:nvSpPr>
-            <p:spPr>
-              <a:xfrm>
-                <a:off x="2260708" y="566256"/>
-                <a:ext cx="2908040" cy="390748"/>
-              </a:xfrm>
-              <a:prstGeom prst="rect">
-                <a:avLst/>
-              </a:prstGeom>
-              <a:blipFill rotWithShape="1">
-                <a:blip r:embed="rId6"/>
-                <a:stretch>
-                  <a:fillRect b="-10938"/>
-                </a:stretch>
-              </a:blipFill>
-            </p:spPr>
-            <p:txBody>
-              <a:bodyPr/>
-              <a:lstStyle/>
-              <a:p>
-                <a:r>
-                  <a:rPr lang="en-GB">
-                    <a:noFill/>
-                  </a:rPr>
-                  <a:t> </a:t>
-                </a:r>
-              </a:p>
-            </p:txBody>
-          </p:sp>
-        </mc:Fallback>
-      </mc:AlternateContent>
+      <p:pic>
+        <p:nvPicPr>
+          <p:cNvPr id="1027" name="Picture 3" descr="C:\Users\Caner\Desktop\Ekran Alıntısıııı.PNG"/>
+          <p:cNvPicPr>
+            <a:picLocks noChangeAspect="1" noChangeArrowheads="1"/>
+          </p:cNvPicPr>
+          <p:nvPr/>
+        </p:nvPicPr>
+        <p:blipFill>
+          <a:blip r:embed="rId6">
+            <a:extLst>
+              <a:ext uri="{28A0092B-C50C-407E-A947-70E740481C1C}">
+                <a14:useLocalDpi xmlns:a14="http://schemas.microsoft.com/office/drawing/2010/main" val="0"/>
+              </a:ext>
+            </a:extLst>
+          </a:blip>
+          <a:srcRect/>
+          <a:stretch>
+            <a:fillRect/>
+          </a:stretch>
+        </p:blipFill>
+        <p:spPr bwMode="auto">
+          <a:xfrm>
+            <a:off x="2217419" y="1898401"/>
+            <a:ext cx="5954881" cy="1171910"/>
+          </a:xfrm>
+          <a:prstGeom prst="rect">
+            <a:avLst/>
+          </a:prstGeom>
+          <a:noFill/>
+          <a:extLst>
+            <a:ext uri="{909E8E84-426E-40DD-AFC4-6F175D3DCCD1}">
+              <a14:hiddenFill xmlns:a14="http://schemas.microsoft.com/office/drawing/2010/main">
+                <a:solidFill>
+                  <a:srgbClr val="FFFFFF"/>
+                </a:solidFill>
+              </a14:hiddenFill>
+            </a:ext>
+          </a:extLst>
+        </p:spPr>
+      </p:pic>
     </p:spTree>
     <p:extLst>
       <p:ext uri="{BB962C8B-B14F-4D97-AF65-F5344CB8AC3E}">
@@ -11634,7 +11561,7 @@
           <p:cNvPr id="2" name="Title 1">
             <a:extLst>
               <a:ext uri="{FF2B5EF4-FFF2-40B4-BE49-F238E27FC236}">
-                <a16:creationId xmlns:a16="http://schemas.microsoft.com/office/drawing/2014/main" xmlns="" id="{71364BAC-A414-45C3-BE6E-5D7FE0719C1A}"/>
+                <a16:creationId xmlns="" xmlns:a16="http://schemas.microsoft.com/office/drawing/2014/main" id="{71364BAC-A414-45C3-BE6E-5D7FE0719C1A}"/>
               </a:ext>
             </a:extLst>
           </p:cNvPr>
@@ -12236,7 +12163,7 @@
           <p:cNvPr id="4" name="Title 1">
             <a:extLst>
               <a:ext uri="{FF2B5EF4-FFF2-40B4-BE49-F238E27FC236}">
-                <a16:creationId xmlns="" xmlns:a16="http://schemas.microsoft.com/office/drawing/2014/main" id="{71364BAC-A414-45C3-BE6E-5D7FE0719C1A}"/>
+                <a16:creationId xmlns:a16="http://schemas.microsoft.com/office/drawing/2014/main" xmlns="" id="{71364BAC-A414-45C3-BE6E-5D7FE0719C1A}"/>
               </a:ext>
             </a:extLst>
           </p:cNvPr>
@@ -12432,8 +12359,8 @@
         </p:blipFill>
         <p:spPr bwMode="auto">
           <a:xfrm>
-            <a:off x="3112507" y="2724024"/>
-            <a:ext cx="4066007" cy="1556842"/>
+            <a:off x="3259322" y="2783114"/>
+            <a:ext cx="3772374" cy="1444412"/>
           </a:xfrm>
           <a:prstGeom prst="rect">
             <a:avLst/>
@@ -12542,18 +12469,10 @@
               <a:buAutoNum type="arabicPeriod"/>
             </a:pPr>
             <a:r>
-              <a:rPr lang="tr-TR" sz="2000" dirty="0" err="1" smtClean="0">
-                <a:solidFill>
-                  <a:srgbClr val="FF0000"/>
-                </a:solidFill>
-              </a:rPr>
+              <a:rPr lang="tr-TR" sz="2000" b="1" dirty="0" err="1" smtClean="0"/>
               <a:t>Introduction</a:t>
             </a:r>
-            <a:endParaRPr lang="tr-TR" sz="2000" dirty="0" smtClean="0">
-              <a:solidFill>
-                <a:srgbClr val="FF0000"/>
-              </a:solidFill>
-            </a:endParaRPr>
+            <a:endParaRPr lang="tr-TR" sz="2000" b="1" dirty="0" smtClean="0"/>
           </a:p>
           <a:p>
             <a:pPr marL="1257300" lvl="2" indent="-342900">
@@ -12596,18 +12515,10 @@
               <a:buAutoNum type="arabicPeriod"/>
             </a:pPr>
             <a:r>
-              <a:rPr lang="tr-TR" sz="2000" dirty="0" err="1" smtClean="0">
-                <a:solidFill>
-                  <a:srgbClr val="FF0000"/>
-                </a:solidFill>
-              </a:rPr>
+              <a:rPr lang="tr-TR" sz="2000" b="1" dirty="0" err="1" smtClean="0"/>
               <a:t>Methodology</a:t>
             </a:r>
-            <a:endParaRPr lang="tr-TR" sz="2000" dirty="0" smtClean="0">
-              <a:solidFill>
-                <a:srgbClr val="FF0000"/>
-              </a:solidFill>
-            </a:endParaRPr>
+            <a:endParaRPr lang="tr-TR" sz="2000" b="1" dirty="0" smtClean="0"/>
           </a:p>
           <a:p>
             <a:pPr marL="1371600" lvl="2" indent="-457200">
@@ -12668,19 +12579,11 @@
               <a:buAutoNum type="arabicPeriod"/>
             </a:pPr>
             <a:r>
-              <a:rPr lang="tr-TR" sz="2000" dirty="0" err="1" smtClean="0">
-                <a:solidFill>
-                  <a:srgbClr val="FF0000"/>
-                </a:solidFill>
-              </a:rPr>
+              <a:rPr lang="tr-TR" sz="2000" b="1" dirty="0" err="1" smtClean="0"/>
               <a:t>Modelling</a:t>
             </a:r>
             <a:r>
-              <a:rPr lang="tr-TR" sz="2000" dirty="0" smtClean="0">
-                <a:solidFill>
-                  <a:srgbClr val="FF0000"/>
-                </a:solidFill>
-              </a:rPr>
+              <a:rPr lang="tr-TR" sz="2000" b="1" dirty="0" smtClean="0"/>
               <a:t> &amp; Analysis</a:t>
             </a:r>
           </a:p>
@@ -12822,18 +12725,10 @@
               <a:buAutoNum type="arabicPeriod"/>
             </a:pPr>
             <a:r>
-              <a:rPr lang="tr-TR" sz="2000" dirty="0" err="1" smtClean="0">
-                <a:solidFill>
-                  <a:srgbClr val="FF0000"/>
-                </a:solidFill>
-              </a:rPr>
+              <a:rPr lang="tr-TR" sz="2000" b="1" dirty="0" err="1" smtClean="0"/>
               <a:t>Results</a:t>
             </a:r>
-            <a:endParaRPr lang="tr-TR" sz="2000" dirty="0" smtClean="0">
-              <a:solidFill>
-                <a:srgbClr val="FF0000"/>
-              </a:solidFill>
-            </a:endParaRPr>
+            <a:endParaRPr lang="tr-TR" sz="2000" b="1" dirty="0" smtClean="0"/>
           </a:p>
         </p:txBody>
       </p:sp>
@@ -12874,6 +12769,47 @@
           <a:chExt cx="0" cy="0"/>
         </a:xfrm>
       </p:grpSpPr>
+      <p:pic>
+        <p:nvPicPr>
+          <p:cNvPr id="2055" name="Picture 7" descr="C:\Users\Caner\Downloads\flexibledemandofmes2\flexibledemandofmes2-1.png"/>
+          <p:cNvPicPr>
+            <a:picLocks noChangeAspect="1" noChangeArrowheads="1"/>
+          </p:cNvPicPr>
+          <p:nvPr/>
+        </p:nvPicPr>
+        <p:blipFill>
+          <a:blip r:embed="rId2">
+            <a:extLst>
+              <a:ext uri="{28A0092B-C50C-407E-A947-70E740481C1C}">
+                <a14:useLocalDpi xmlns:a14="http://schemas.microsoft.com/office/drawing/2010/main" val="0"/>
+              </a:ext>
+            </a:extLst>
+          </a:blip>
+          <a:srcRect/>
+          <a:stretch>
+            <a:fillRect/>
+          </a:stretch>
+        </p:blipFill>
+        <p:spPr bwMode="auto">
+          <a:xfrm>
+            <a:off x="1696050" y="1220978"/>
+            <a:ext cx="7248001" cy="3003550"/>
+          </a:xfrm>
+          <a:prstGeom prst="rect">
+            <a:avLst/>
+          </a:prstGeom>
+          <a:noFill/>
+          <a:extLst>
+            <a:ext uri="{909E8E84-426E-40DD-AFC4-6F175D3DCCD1}">
+              <a14:hiddenFill xmlns:a14="http://schemas.microsoft.com/office/drawing/2010/main">
+                <a:solidFill>
+                  <a:srgbClr val="FFFFFF"/>
+                </a:solidFill>
+              </a14:hiddenFill>
+            </a:ext>
+          </a:extLst>
+        </p:spPr>
+      </p:pic>
       <p:sp>
         <p:nvSpPr>
           <p:cNvPr id="2" name="Başlık 1"/>
@@ -12908,47 +12844,6 @@
           </a:p>
         </p:txBody>
       </p:sp>
-      <p:pic>
-        <p:nvPicPr>
-          <p:cNvPr id="7170" name="Picture 2" descr="C:\Users\Caner\Desktop\Multi-Energy-Systems-Thesis-Project\Figures\Python Figures\Figures\flexibledemandofmes.png"/>
-          <p:cNvPicPr>
-            <a:picLocks noChangeAspect="1" noChangeArrowheads="1"/>
-          </p:cNvPicPr>
-          <p:nvPr/>
-        </p:nvPicPr>
-        <p:blipFill>
-          <a:blip r:embed="rId2">
-            <a:extLst>
-              <a:ext uri="{28A0092B-C50C-407E-A947-70E740481C1C}">
-                <a14:useLocalDpi xmlns:a14="http://schemas.microsoft.com/office/drawing/2010/main" val="0"/>
-              </a:ext>
-            </a:extLst>
-          </a:blip>
-          <a:srcRect/>
-          <a:stretch>
-            <a:fillRect/>
-          </a:stretch>
-        </p:blipFill>
-        <p:spPr bwMode="auto">
-          <a:xfrm>
-            <a:off x="1656442" y="754000"/>
-            <a:ext cx="7385640" cy="3635120"/>
-          </a:xfrm>
-          <a:prstGeom prst="rect">
-            <a:avLst/>
-          </a:prstGeom>
-          <a:noFill/>
-          <a:extLst>
-            <a:ext uri="{909E8E84-426E-40DD-AFC4-6F175D3DCCD1}">
-              <a14:hiddenFill xmlns:a14="http://schemas.microsoft.com/office/drawing/2010/main">
-                <a:solidFill>
-                  <a:srgbClr val="FFFFFF"/>
-                </a:solidFill>
-              </a14:hiddenFill>
-            </a:ext>
-          </a:extLst>
-        </p:spPr>
-      </p:pic>
       <p:cxnSp>
         <p:nvCxnSpPr>
           <p:cNvPr id="14" name="Düz Ok Bağlayıcısı 13"/>
@@ -13193,15 +13088,15 @@
             </a:r>
             <a:r>
               <a:rPr lang="tr-TR" sz="2800" dirty="0" smtClean="0"/>
-              <a:t> – P2X Model </a:t>
+              <a:t> – </a:t>
             </a:r>
             <a:r>
               <a:rPr lang="tr-TR" sz="2800" dirty="0" err="1" smtClean="0"/>
-              <a:t>Comparison</a:t>
+              <a:t>PtX</a:t>
             </a:r>
             <a:r>
               <a:rPr lang="tr-TR" sz="2800" dirty="0" smtClean="0"/>
-              <a:t> </a:t>
+              <a:t> Analysis</a:t>
             </a:r>
             <a:endParaRPr lang="en-GB" sz="2800" dirty="0"/>
           </a:p>
@@ -13570,15 +13465,7 @@
                   <a:srgbClr val="FF0000"/>
                 </a:solidFill>
               </a:rPr>
-              <a:t>T = </a:t>
-            </a:r>
-            <a:r>
-              <a:rPr lang="tr-TR" sz="1400" b="1" dirty="0" smtClean="0">
-                <a:solidFill>
-                  <a:srgbClr val="FF0000"/>
-                </a:solidFill>
-              </a:rPr>
-              <a:t>7</a:t>
+              <a:t>T = 7</a:t>
             </a:r>
             <a:endParaRPr lang="en-GB" sz="1400" b="1" dirty="0">
               <a:solidFill>
@@ -13653,102 +13540,20 @@
             </a:r>
             <a:r>
               <a:rPr lang="tr-TR" sz="2800" dirty="0" smtClean="0"/>
-              <a:t> – P2X Model </a:t>
+              <a:t> – </a:t>
             </a:r>
             <a:r>
               <a:rPr lang="tr-TR" sz="2800" dirty="0" err="1" smtClean="0"/>
-              <a:t>Comparison</a:t>
+              <a:t>PtX</a:t>
             </a:r>
             <a:r>
               <a:rPr lang="tr-TR" sz="2800" dirty="0" smtClean="0"/>
-              <a:t> </a:t>
+              <a:t> Analysis</a:t>
             </a:r>
             <a:endParaRPr lang="en-GB" sz="2800" dirty="0"/>
           </a:p>
         </p:txBody>
       </p:sp>
-      <p:pic>
-        <p:nvPicPr>
-          <p:cNvPr id="9219" name="Picture 3" descr="C:\Users\Caner\Desktop\Multi-Energy-Systems-Thesis-Project\Figures\Python Figures\Figures\Pload_ptg.png"/>
-          <p:cNvPicPr>
-            <a:picLocks noChangeAspect="1" noChangeArrowheads="1"/>
-          </p:cNvPicPr>
-          <p:nvPr/>
-        </p:nvPicPr>
-        <p:blipFill>
-          <a:blip r:embed="rId2">
-            <a:extLst>
-              <a:ext uri="{28A0092B-C50C-407E-A947-70E740481C1C}">
-                <a14:useLocalDpi xmlns:a14="http://schemas.microsoft.com/office/drawing/2010/main" val="0"/>
-              </a:ext>
-            </a:extLst>
-          </a:blip>
-          <a:srcRect/>
-          <a:stretch>
-            <a:fillRect/>
-          </a:stretch>
-        </p:blipFill>
-        <p:spPr bwMode="auto">
-          <a:xfrm>
-            <a:off x="886470" y="1274976"/>
-            <a:ext cx="4042211" cy="2694807"/>
-          </a:xfrm>
-          <a:prstGeom prst="rect">
-            <a:avLst/>
-          </a:prstGeom>
-          <a:noFill/>
-          <a:extLst>
-            <a:ext uri="{909E8E84-426E-40DD-AFC4-6F175D3DCCD1}">
-              <a14:hiddenFill xmlns:a14="http://schemas.microsoft.com/office/drawing/2010/main">
-                <a:solidFill>
-                  <a:srgbClr val="FFFFFF"/>
-                </a:solidFill>
-              </a14:hiddenFill>
-            </a:ext>
-          </a:extLst>
-        </p:spPr>
-      </p:pic>
-      <p:pic>
-        <p:nvPicPr>
-          <p:cNvPr id="4" name="Picture 2" descr="C:\Users\Caner\Desktop\Multi-Energy-Systems-Thesis-Project\Figures\Python Figures\Figures\Pload_pth.png"/>
-          <p:cNvPicPr>
-            <a:picLocks noChangeAspect="1" noChangeArrowheads="1"/>
-          </p:cNvPicPr>
-          <p:nvPr/>
-        </p:nvPicPr>
-        <p:blipFill>
-          <a:blip r:embed="rId3">
-            <a:extLst>
-              <a:ext uri="{28A0092B-C50C-407E-A947-70E740481C1C}">
-                <a14:useLocalDpi xmlns:a14="http://schemas.microsoft.com/office/drawing/2010/main" val="0"/>
-              </a:ext>
-            </a:extLst>
-          </a:blip>
-          <a:srcRect/>
-          <a:stretch>
-            <a:fillRect/>
-          </a:stretch>
-        </p:blipFill>
-        <p:spPr bwMode="auto">
-          <a:xfrm>
-            <a:off x="4790028" y="1281286"/>
-            <a:ext cx="4023278" cy="2682185"/>
-          </a:xfrm>
-          <a:prstGeom prst="rect">
-            <a:avLst/>
-          </a:prstGeom>
-          <a:noFill/>
-          <a:extLst>
-            <a:ext uri="{909E8E84-426E-40DD-AFC4-6F175D3DCCD1}">
-              <a14:hiddenFill xmlns:a14="http://schemas.microsoft.com/office/drawing/2010/main">
-                <a:solidFill>
-                  <a:srgbClr val="FFFFFF"/>
-                </a:solidFill>
-              </a14:hiddenFill>
-            </a:ext>
-          </a:extLst>
-        </p:spPr>
-      </p:pic>
       <p:sp>
         <p:nvSpPr>
           <p:cNvPr id="5" name="Metin kutusu 4"/>
@@ -13887,7 +13692,7 @@
                   <a:srgbClr val="FF0000"/>
                 </a:solidFill>
               </a:rPr>
-              <a:t> = 9 MW</a:t>
+              <a:t> = 1.4 MW</a:t>
             </a:r>
           </a:p>
           <a:p>
@@ -13937,7 +13742,7 @@
                   <a:srgbClr val="FF0000"/>
                 </a:solidFill>
               </a:rPr>
-              <a:t> = 19 </a:t>
+              <a:t> = </a:t>
             </a:r>
             <a:r>
               <a:rPr lang="tr-TR" sz="1200" b="1" dirty="0" smtClean="0">
@@ -13945,7 +13750,7 @@
                   <a:srgbClr val="FF0000"/>
                 </a:solidFill>
               </a:rPr>
-              <a:t>MW</a:t>
+              <a:t>5 MW</a:t>
             </a:r>
             <a:endParaRPr lang="en-GB" sz="1200" b="1" dirty="0">
               <a:solidFill>
@@ -13955,6 +13760,88 @@
           </a:p>
         </p:txBody>
       </p:sp>
+      <p:pic>
+        <p:nvPicPr>
+          <p:cNvPr id="1028" name="Picture 4" descr="C:\Users\Caner\Desktop\Multi-Energy-Systems-Thesis-Project\Figures\Python Figures\Pload_ptg.png"/>
+          <p:cNvPicPr>
+            <a:picLocks noChangeAspect="1" noChangeArrowheads="1"/>
+          </p:cNvPicPr>
+          <p:nvPr/>
+        </p:nvPicPr>
+        <p:blipFill>
+          <a:blip r:embed="rId2">
+            <a:extLst>
+              <a:ext uri="{28A0092B-C50C-407E-A947-70E740481C1C}">
+                <a14:useLocalDpi xmlns:a14="http://schemas.microsoft.com/office/drawing/2010/main" val="0"/>
+              </a:ext>
+            </a:extLst>
+          </a:blip>
+          <a:srcRect/>
+          <a:stretch>
+            <a:fillRect/>
+          </a:stretch>
+        </p:blipFill>
+        <p:spPr bwMode="auto">
+          <a:xfrm>
+            <a:off x="179614" y="1371600"/>
+            <a:ext cx="4460966" cy="2230483"/>
+          </a:xfrm>
+          <a:prstGeom prst="rect">
+            <a:avLst/>
+          </a:prstGeom>
+          <a:noFill/>
+          <a:extLst>
+            <a:ext uri="{909E8E84-426E-40DD-AFC4-6F175D3DCCD1}">
+              <a14:hiddenFill xmlns:a14="http://schemas.microsoft.com/office/drawing/2010/main">
+                <a:solidFill>
+                  <a:srgbClr val="FFFFFF"/>
+                </a:solidFill>
+              </a14:hiddenFill>
+            </a:ext>
+          </a:extLst>
+        </p:spPr>
+      </p:pic>
+      <p:pic>
+        <p:nvPicPr>
+          <p:cNvPr id="1029" name="Picture 5" descr="C:\Users\Caner\Desktop\Multi-Energy-Systems-Thesis-Project\Figures\Python Figures\Pload_pth.png"/>
+          <p:cNvPicPr>
+            <a:picLocks noChangeAspect="1" noChangeArrowheads="1"/>
+          </p:cNvPicPr>
+          <p:nvPr/>
+        </p:nvPicPr>
+        <p:blipFill>
+          <a:blip r:embed="rId3">
+            <a:extLst>
+              <a:ext uri="{28A0092B-C50C-407E-A947-70E740481C1C}">
+                <a14:useLocalDpi xmlns:a14="http://schemas.microsoft.com/office/drawing/2010/main" val="0"/>
+              </a:ext>
+            </a:extLst>
+          </a:blip>
+          <a:srcRect/>
+          <a:stretch>
+            <a:fillRect/>
+          </a:stretch>
+        </p:blipFill>
+        <p:spPr bwMode="auto">
+          <a:xfrm>
+            <a:off x="4640580" y="1371600"/>
+            <a:ext cx="4460965" cy="2230483"/>
+          </a:xfrm>
+          <a:prstGeom prst="rect">
+            <a:avLst/>
+          </a:prstGeom>
+          <a:noFill/>
+          <a:extLst>
+            <a:ext uri="{909E8E84-426E-40DD-AFC4-6F175D3DCCD1}">
+              <a14:hiddenFill xmlns:a14="http://schemas.microsoft.com/office/drawing/2010/main">
+                <a:solidFill>
+                  <a:srgbClr val="FFFFFF"/>
+                </a:solidFill>
+              </a14:hiddenFill>
+            </a:ext>
+          </a:extLst>
+        </p:spPr>
+      </p:pic>
     </p:spTree>
     <p:extLst>
       <p:ext uri="{BB962C8B-B14F-4D97-AF65-F5344CB8AC3E}">
@@ -13994,6 +13881,988 @@
       </p:grpSpPr>
       <p:sp>
         <p:nvSpPr>
+          <p:cNvPr id="2" name="Başlık 1"/>
+          <p:cNvSpPr>
+            <a:spLocks noGrp="1"/>
+          </p:cNvSpPr>
+          <p:nvPr>
+            <p:ph type="title"/>
+          </p:nvPr>
+        </p:nvSpPr>
+        <p:spPr>
+          <a:xfrm>
+            <a:off x="1580226" y="0"/>
+            <a:ext cx="7106464" cy="510301"/>
+          </a:xfrm>
+        </p:spPr>
+        <p:txBody>
+          <a:bodyPr>
+            <a:normAutofit fontScale="90000"/>
+          </a:bodyPr>
+          <a:lstStyle/>
+          <a:p>
+            <a:r>
+              <a:rPr lang="tr-TR" sz="2800" dirty="0" err="1" smtClean="0"/>
+              <a:t>Results</a:t>
+            </a:r>
+            <a:r>
+              <a:rPr lang="tr-TR" sz="2800" dirty="0" smtClean="0"/>
+              <a:t> – </a:t>
+            </a:r>
+            <a:r>
+              <a:rPr lang="tr-TR" sz="2800" dirty="0" err="1" smtClean="0"/>
+              <a:t>Power</a:t>
+            </a:r>
+            <a:r>
+              <a:rPr lang="tr-TR" sz="2800" dirty="0" smtClean="0"/>
+              <a:t> </a:t>
+            </a:r>
+            <a:r>
+              <a:rPr lang="tr-TR" sz="2800" dirty="0" err="1"/>
+              <a:t>S</a:t>
+            </a:r>
+            <a:r>
+              <a:rPr lang="tr-TR" sz="2800" dirty="0" err="1" smtClean="0"/>
+              <a:t>ystem</a:t>
+            </a:r>
+            <a:r>
+              <a:rPr lang="tr-TR" sz="2800" dirty="0" smtClean="0"/>
+              <a:t> Analysis, Case 1</a:t>
+            </a:r>
+            <a:endParaRPr lang="en-GB" sz="2800" dirty="0"/>
+          </a:p>
+        </p:txBody>
+      </p:sp>
+      <p:pic>
+        <p:nvPicPr>
+          <p:cNvPr id="1026" name="Picture 2" descr="C:\Users\Caner\Desktop\Multi-Energy-Systems-Thesis-Project\Figures\Python Figures\hydrogen_production.png"/>
+          <p:cNvPicPr>
+            <a:picLocks noChangeAspect="1" noChangeArrowheads="1"/>
+          </p:cNvPicPr>
+          <p:nvPr/>
+        </p:nvPicPr>
+        <p:blipFill>
+          <a:blip r:embed="rId2">
+            <a:extLst>
+              <a:ext uri="{28A0092B-C50C-407E-A947-70E740481C1C}">
+                <a14:useLocalDpi xmlns:a14="http://schemas.microsoft.com/office/drawing/2010/main" val="0"/>
+              </a:ext>
+            </a:extLst>
+          </a:blip>
+          <a:srcRect/>
+          <a:stretch>
+            <a:fillRect/>
+          </a:stretch>
+        </p:blipFill>
+        <p:spPr bwMode="auto">
+          <a:xfrm>
+            <a:off x="4488498" y="2494595"/>
+            <a:ext cx="4336098" cy="2168049"/>
+          </a:xfrm>
+          <a:prstGeom prst="rect">
+            <a:avLst/>
+          </a:prstGeom>
+          <a:noFill/>
+          <a:extLst>
+            <a:ext uri="{909E8E84-426E-40DD-AFC4-6F175D3DCCD1}">
+              <a14:hiddenFill xmlns:a14="http://schemas.microsoft.com/office/drawing/2010/main">
+                <a:solidFill>
+                  <a:srgbClr val="FFFFFF"/>
+                </a:solidFill>
+              </a14:hiddenFill>
+            </a:ext>
+          </a:extLst>
+        </p:spPr>
+      </p:pic>
+      <p:pic>
+        <p:nvPicPr>
+          <p:cNvPr id="1027" name="Picture 3" descr="C:\Users\Caner\Desktop\Multi-Energy-Systems-Thesis-Project\Figures\Python Figures\heat_production.png"/>
+          <p:cNvPicPr>
+            <a:picLocks noChangeAspect="1" noChangeArrowheads="1"/>
+          </p:cNvPicPr>
+          <p:nvPr/>
+        </p:nvPicPr>
+        <p:blipFill>
+          <a:blip r:embed="rId3">
+            <a:extLst>
+              <a:ext uri="{28A0092B-C50C-407E-A947-70E740481C1C}">
+                <a14:useLocalDpi xmlns:a14="http://schemas.microsoft.com/office/drawing/2010/main" val="0"/>
+              </a:ext>
+            </a:extLst>
+          </a:blip>
+          <a:srcRect/>
+          <a:stretch>
+            <a:fillRect/>
+          </a:stretch>
+        </p:blipFill>
+        <p:spPr bwMode="auto">
+          <a:xfrm>
+            <a:off x="174942" y="2475943"/>
+            <a:ext cx="4313556" cy="2156778"/>
+          </a:xfrm>
+          <a:prstGeom prst="rect">
+            <a:avLst/>
+          </a:prstGeom>
+          <a:noFill/>
+          <a:extLst>
+            <a:ext uri="{909E8E84-426E-40DD-AFC4-6F175D3DCCD1}">
+              <a14:hiddenFill xmlns:a14="http://schemas.microsoft.com/office/drawing/2010/main">
+                <a:solidFill>
+                  <a:srgbClr val="FFFFFF"/>
+                </a:solidFill>
+              </a14:hiddenFill>
+            </a:ext>
+          </a:extLst>
+        </p:spPr>
+      </p:pic>
+      <p:pic>
+        <p:nvPicPr>
+          <p:cNvPr id="1029" name="Picture 5" descr="C:\Users\Caner\Desktop\Multi-Energy-Systems-Thesis-Project\Figures\Python Figures\flexible_demand.png"/>
+          <p:cNvPicPr>
+            <a:picLocks noChangeAspect="1" noChangeArrowheads="1"/>
+          </p:cNvPicPr>
+          <p:nvPr/>
+        </p:nvPicPr>
+        <p:blipFill>
+          <a:blip r:embed="rId4">
+            <a:extLst>
+              <a:ext uri="{28A0092B-C50C-407E-A947-70E740481C1C}">
+                <a14:useLocalDpi xmlns:a14="http://schemas.microsoft.com/office/drawing/2010/main" val="0"/>
+              </a:ext>
+            </a:extLst>
+          </a:blip>
+          <a:srcRect/>
+          <a:stretch>
+            <a:fillRect/>
+          </a:stretch>
+        </p:blipFill>
+        <p:spPr bwMode="auto">
+          <a:xfrm>
+            <a:off x="2514601" y="418860"/>
+            <a:ext cx="4323611" cy="2161805"/>
+          </a:xfrm>
+          <a:prstGeom prst="rect">
+            <a:avLst/>
+          </a:prstGeom>
+          <a:noFill/>
+          <a:extLst>
+            <a:ext uri="{909E8E84-426E-40DD-AFC4-6F175D3DCCD1}">
+              <a14:hiddenFill xmlns:a14="http://schemas.microsoft.com/office/drawing/2010/main">
+                <a:solidFill>
+                  <a:srgbClr val="FFFFFF"/>
+                </a:solidFill>
+              </a14:hiddenFill>
+            </a:ext>
+          </a:extLst>
+        </p:spPr>
+      </p:pic>
+      <p:sp>
+        <p:nvSpPr>
+          <p:cNvPr id="13" name="Metin kutusu 12"/>
+          <p:cNvSpPr txBox="1"/>
+          <p:nvPr/>
+        </p:nvSpPr>
+        <p:spPr>
+          <a:xfrm>
+            <a:off x="6549836" y="902772"/>
+            <a:ext cx="2333542" cy="307777"/>
+          </a:xfrm>
+          <a:prstGeom prst="rect">
+            <a:avLst/>
+          </a:prstGeom>
+          <a:noFill/>
+        </p:spPr>
+        <p:txBody>
+          <a:bodyPr wrap="square" rtlCol="0">
+            <a:spAutoFit/>
+          </a:bodyPr>
+          <a:lstStyle/>
+          <a:p>
+            <a:r>
+              <a:rPr lang="tr-TR" sz="1400" b="1" dirty="0" err="1" smtClean="0">
+                <a:solidFill>
+                  <a:srgbClr val="FF0000"/>
+                </a:solidFill>
+              </a:rPr>
+              <a:t>Max</a:t>
+            </a:r>
+            <a:r>
+              <a:rPr lang="tr-TR" sz="1400" b="1" dirty="0" smtClean="0">
+                <a:solidFill>
+                  <a:srgbClr val="FF0000"/>
+                </a:solidFill>
+              </a:rPr>
+              <a:t> </a:t>
+            </a:r>
+            <a:r>
+              <a:rPr lang="en-GB" sz="1400" b="1" dirty="0" smtClean="0">
+                <a:solidFill>
+                  <a:srgbClr val="FF0000"/>
+                </a:solidFill>
+              </a:rPr>
+              <a:t>∆</a:t>
+            </a:r>
+            <a:r>
+              <a:rPr lang="tr-TR" sz="1400" b="1" dirty="0" err="1" smtClean="0">
+                <a:solidFill>
+                  <a:srgbClr val="FF0000"/>
+                </a:solidFill>
+              </a:rPr>
+              <a:t>P</a:t>
+            </a:r>
+            <a:r>
+              <a:rPr lang="tr-TR" sz="1400" b="1" baseline="-25000" dirty="0" err="1" smtClean="0">
+                <a:solidFill>
+                  <a:srgbClr val="FF0000"/>
+                </a:solidFill>
+              </a:rPr>
+              <a:t>base-pth</a:t>
+            </a:r>
+            <a:r>
+              <a:rPr lang="tr-TR" sz="1400" b="1" dirty="0" smtClean="0">
+                <a:solidFill>
+                  <a:srgbClr val="FF0000"/>
+                </a:solidFill>
+              </a:rPr>
+              <a:t> = 10 MW</a:t>
+            </a:r>
+            <a:endParaRPr lang="en-GB" sz="1400" b="1" dirty="0">
+              <a:solidFill>
+                <a:srgbClr val="FF0000"/>
+              </a:solidFill>
+            </a:endParaRPr>
+          </a:p>
+        </p:txBody>
+      </p:sp>
+      <p:sp>
+        <p:nvSpPr>
+          <p:cNvPr id="14" name="Metin kutusu 13"/>
+          <p:cNvSpPr txBox="1"/>
+          <p:nvPr/>
+        </p:nvSpPr>
+        <p:spPr>
+          <a:xfrm>
+            <a:off x="6491054" y="594995"/>
+            <a:ext cx="2333542" cy="307777"/>
+          </a:xfrm>
+          <a:prstGeom prst="rect">
+            <a:avLst/>
+          </a:prstGeom>
+          <a:noFill/>
+        </p:spPr>
+        <p:txBody>
+          <a:bodyPr wrap="square" rtlCol="0">
+            <a:spAutoFit/>
+          </a:bodyPr>
+          <a:lstStyle/>
+          <a:p>
+            <a:r>
+              <a:rPr lang="tr-TR" sz="1400" b="1" dirty="0" smtClean="0">
+                <a:solidFill>
+                  <a:srgbClr val="FF0000"/>
+                </a:solidFill>
+              </a:rPr>
+              <a:t> </a:t>
+            </a:r>
+            <a:r>
+              <a:rPr lang="tr-TR" sz="1400" b="1" dirty="0" err="1" smtClean="0">
+                <a:solidFill>
+                  <a:srgbClr val="FF0000"/>
+                </a:solidFill>
+              </a:rPr>
+              <a:t>Max</a:t>
+            </a:r>
+            <a:r>
+              <a:rPr lang="tr-TR" sz="1400" b="1" dirty="0" smtClean="0">
+                <a:solidFill>
+                  <a:srgbClr val="FF0000"/>
+                </a:solidFill>
+              </a:rPr>
+              <a:t> </a:t>
+            </a:r>
+            <a:r>
+              <a:rPr lang="en-GB" sz="1400" b="1" dirty="0" smtClean="0">
+                <a:solidFill>
+                  <a:srgbClr val="FF0000"/>
+                </a:solidFill>
+              </a:rPr>
+              <a:t>∆</a:t>
+            </a:r>
+            <a:r>
+              <a:rPr lang="tr-TR" sz="1400" b="1" dirty="0" err="1" smtClean="0">
+                <a:solidFill>
+                  <a:srgbClr val="FF0000"/>
+                </a:solidFill>
+              </a:rPr>
+              <a:t>P</a:t>
+            </a:r>
+            <a:r>
+              <a:rPr lang="tr-TR" sz="1400" b="1" baseline="-25000" dirty="0" err="1" smtClean="0">
+                <a:solidFill>
+                  <a:srgbClr val="FF0000"/>
+                </a:solidFill>
+              </a:rPr>
+              <a:t>base-ptg</a:t>
+            </a:r>
+            <a:r>
+              <a:rPr lang="tr-TR" sz="1400" b="1" dirty="0" smtClean="0">
+                <a:solidFill>
+                  <a:srgbClr val="FF0000"/>
+                </a:solidFill>
+              </a:rPr>
+              <a:t> = </a:t>
+            </a:r>
+            <a:r>
+              <a:rPr lang="tr-TR" sz="1400" b="1" dirty="0">
+                <a:solidFill>
+                  <a:srgbClr val="FF0000"/>
+                </a:solidFill>
+              </a:rPr>
+              <a:t>2</a:t>
+            </a:r>
+            <a:r>
+              <a:rPr lang="tr-TR" sz="1400" b="1" dirty="0" smtClean="0">
+                <a:solidFill>
+                  <a:srgbClr val="FF0000"/>
+                </a:solidFill>
+              </a:rPr>
+              <a:t> MW</a:t>
+            </a:r>
+            <a:endParaRPr lang="en-GB" sz="1400" b="1" dirty="0">
+              <a:solidFill>
+                <a:srgbClr val="FF0000"/>
+              </a:solidFill>
+            </a:endParaRPr>
+          </a:p>
+        </p:txBody>
+      </p:sp>
+      <p:sp>
+        <p:nvSpPr>
+          <p:cNvPr id="9" name="Dikdörtgen 8"/>
+          <p:cNvSpPr/>
+          <p:nvPr/>
+        </p:nvSpPr>
+        <p:spPr>
+          <a:xfrm>
+            <a:off x="6238535" y="4632721"/>
+            <a:ext cx="2375971" cy="307777"/>
+          </a:xfrm>
+          <a:prstGeom prst="rect">
+            <a:avLst/>
+          </a:prstGeom>
+        </p:spPr>
+        <p:txBody>
+          <a:bodyPr wrap="none">
+            <a:spAutoFit/>
+          </a:bodyPr>
+          <a:lstStyle/>
+          <a:p>
+            <a:r>
+              <a:rPr lang="tr-TR" sz="1400" b="1" dirty="0" err="1">
+                <a:solidFill>
+                  <a:srgbClr val="FF0000"/>
+                </a:solidFill>
+              </a:rPr>
+              <a:t>Max</a:t>
+            </a:r>
+            <a:r>
+              <a:rPr lang="tr-TR" sz="1400" b="1" dirty="0">
+                <a:solidFill>
+                  <a:srgbClr val="FF0000"/>
+                </a:solidFill>
+              </a:rPr>
+              <a:t> </a:t>
+            </a:r>
+            <a:r>
+              <a:rPr lang="en-GB" sz="1400" b="1" dirty="0" smtClean="0">
+                <a:solidFill>
+                  <a:srgbClr val="FF0000"/>
+                </a:solidFill>
+              </a:rPr>
+              <a:t>∆</a:t>
+            </a:r>
+            <a:r>
+              <a:rPr lang="tr-TR" sz="1400" b="1" dirty="0" smtClean="0">
+                <a:solidFill>
+                  <a:srgbClr val="FF0000"/>
+                </a:solidFill>
+              </a:rPr>
+              <a:t>H</a:t>
+            </a:r>
+            <a:r>
+              <a:rPr lang="tr-TR" sz="1400" b="1" baseline="-25000" dirty="0" smtClean="0">
+                <a:solidFill>
+                  <a:srgbClr val="FF0000"/>
+                </a:solidFill>
+              </a:rPr>
+              <a:t>2</a:t>
+            </a:r>
+            <a:r>
+              <a:rPr lang="tr-TR" sz="1400" b="1" dirty="0" smtClean="0">
+                <a:solidFill>
+                  <a:srgbClr val="FF0000"/>
+                </a:solidFill>
+              </a:rPr>
+              <a:t> </a:t>
+            </a:r>
+            <a:r>
+              <a:rPr lang="tr-TR" sz="1400" b="1" dirty="0">
+                <a:solidFill>
+                  <a:srgbClr val="FF0000"/>
+                </a:solidFill>
+              </a:rPr>
+              <a:t>= 0.032m3/s </a:t>
+            </a:r>
+            <a:r>
+              <a:rPr lang="tr-TR" sz="1400" b="1" dirty="0" smtClean="0">
+                <a:solidFill>
+                  <a:srgbClr val="FF0000"/>
+                </a:solidFill>
+              </a:rPr>
+              <a:t>m</a:t>
+            </a:r>
+            <a:r>
+              <a:rPr lang="tr-TR" sz="1400" b="1" baseline="-25000" dirty="0" smtClean="0">
+                <a:solidFill>
+                  <a:srgbClr val="FF0000"/>
+                </a:solidFill>
+              </a:rPr>
+              <a:t>3</a:t>
+            </a:r>
+            <a:r>
+              <a:rPr lang="tr-TR" sz="1400" b="1" dirty="0" smtClean="0">
+                <a:solidFill>
+                  <a:srgbClr val="FF0000"/>
+                </a:solidFill>
+              </a:rPr>
+              <a:t>/s</a:t>
+            </a:r>
+            <a:endParaRPr lang="en-GB" sz="1400" b="1" dirty="0">
+              <a:solidFill>
+                <a:srgbClr val="FF0000"/>
+              </a:solidFill>
+            </a:endParaRPr>
+          </a:p>
+        </p:txBody>
+      </p:sp>
+      <p:sp>
+        <p:nvSpPr>
+          <p:cNvPr id="17" name="Dikdörtgen 16"/>
+          <p:cNvSpPr/>
+          <p:nvPr/>
+        </p:nvSpPr>
+        <p:spPr>
+          <a:xfrm>
+            <a:off x="1561455" y="4517204"/>
+            <a:ext cx="2023311" cy="307777"/>
+          </a:xfrm>
+          <a:prstGeom prst="rect">
+            <a:avLst/>
+          </a:prstGeom>
+        </p:spPr>
+        <p:txBody>
+          <a:bodyPr wrap="none">
+            <a:spAutoFit/>
+          </a:bodyPr>
+          <a:lstStyle/>
+          <a:p>
+            <a:r>
+              <a:rPr lang="tr-TR" sz="1400" b="1" dirty="0" err="1">
+                <a:solidFill>
+                  <a:srgbClr val="FF0000"/>
+                </a:solidFill>
+              </a:rPr>
+              <a:t>Max</a:t>
+            </a:r>
+            <a:r>
+              <a:rPr lang="tr-TR" sz="1400" b="1" dirty="0">
+                <a:solidFill>
+                  <a:srgbClr val="FF0000"/>
+                </a:solidFill>
+              </a:rPr>
+              <a:t> </a:t>
+            </a:r>
+            <a:r>
+              <a:rPr lang="en-GB" sz="1400" b="1" dirty="0" smtClean="0">
+                <a:solidFill>
+                  <a:srgbClr val="FF0000"/>
+                </a:solidFill>
+              </a:rPr>
+              <a:t>∆</a:t>
+            </a:r>
+            <a:r>
+              <a:rPr lang="tr-TR" sz="1400" b="1" dirty="0" smtClean="0">
+                <a:solidFill>
+                  <a:srgbClr val="FF0000"/>
+                </a:solidFill>
+              </a:rPr>
+              <a:t>Q</a:t>
+            </a:r>
+            <a:r>
+              <a:rPr lang="tr-TR" sz="1400" b="1" baseline="-25000" dirty="0" smtClean="0">
+                <a:solidFill>
+                  <a:srgbClr val="FF0000"/>
+                </a:solidFill>
+              </a:rPr>
+              <a:t>A-B</a:t>
+            </a:r>
+            <a:r>
+              <a:rPr lang="tr-TR" sz="1400" b="1" dirty="0" smtClean="0">
+                <a:solidFill>
+                  <a:srgbClr val="FF0000"/>
+                </a:solidFill>
+              </a:rPr>
+              <a:t> </a:t>
+            </a:r>
+            <a:r>
+              <a:rPr lang="tr-TR" sz="1400" b="1" dirty="0">
+                <a:solidFill>
+                  <a:srgbClr val="FF0000"/>
+                </a:solidFill>
+              </a:rPr>
+              <a:t>= </a:t>
+            </a:r>
+            <a:r>
+              <a:rPr lang="tr-TR" sz="1400" b="1" dirty="0" smtClean="0">
+                <a:solidFill>
+                  <a:srgbClr val="FF0000"/>
+                </a:solidFill>
+              </a:rPr>
+              <a:t>0.20 m</a:t>
+            </a:r>
+            <a:r>
+              <a:rPr lang="tr-TR" sz="1400" b="1" baseline="-25000" dirty="0" smtClean="0">
+                <a:solidFill>
+                  <a:srgbClr val="FF0000"/>
+                </a:solidFill>
+              </a:rPr>
+              <a:t>3</a:t>
+            </a:r>
+            <a:r>
+              <a:rPr lang="tr-TR" sz="1400" b="1" dirty="0" smtClean="0">
+                <a:solidFill>
+                  <a:srgbClr val="FF0000"/>
+                </a:solidFill>
+              </a:rPr>
+              <a:t>/s</a:t>
+            </a:r>
+            <a:endParaRPr lang="en-GB" sz="1400" b="1" dirty="0">
+              <a:solidFill>
+                <a:srgbClr val="FF0000"/>
+              </a:solidFill>
+            </a:endParaRPr>
+          </a:p>
+        </p:txBody>
+      </p:sp>
+      <p:sp>
+        <p:nvSpPr>
+          <p:cNvPr id="18" name="Dikdörtgen 17"/>
+          <p:cNvSpPr/>
+          <p:nvPr/>
+        </p:nvSpPr>
+        <p:spPr>
+          <a:xfrm>
+            <a:off x="1561456" y="4834626"/>
+            <a:ext cx="2023311" cy="307777"/>
+          </a:xfrm>
+          <a:prstGeom prst="rect">
+            <a:avLst/>
+          </a:prstGeom>
+        </p:spPr>
+        <p:txBody>
+          <a:bodyPr wrap="none">
+            <a:spAutoFit/>
+          </a:bodyPr>
+          <a:lstStyle/>
+          <a:p>
+            <a:r>
+              <a:rPr lang="tr-TR" sz="1400" b="1" dirty="0" err="1">
+                <a:solidFill>
+                  <a:srgbClr val="FF0000"/>
+                </a:solidFill>
+              </a:rPr>
+              <a:t>Max</a:t>
+            </a:r>
+            <a:r>
+              <a:rPr lang="tr-TR" sz="1400" b="1" dirty="0">
+                <a:solidFill>
+                  <a:srgbClr val="FF0000"/>
+                </a:solidFill>
+              </a:rPr>
+              <a:t> </a:t>
+            </a:r>
+            <a:r>
+              <a:rPr lang="en-GB" sz="1400" b="1" dirty="0" smtClean="0">
+                <a:solidFill>
+                  <a:srgbClr val="FF0000"/>
+                </a:solidFill>
+              </a:rPr>
+              <a:t>∆</a:t>
+            </a:r>
+            <a:r>
+              <a:rPr lang="tr-TR" sz="1400" b="1" dirty="0" smtClean="0">
+                <a:solidFill>
+                  <a:srgbClr val="FF0000"/>
+                </a:solidFill>
+              </a:rPr>
+              <a:t>Q</a:t>
+            </a:r>
+            <a:r>
+              <a:rPr lang="tr-TR" sz="1400" b="1" baseline="-25000" dirty="0" smtClean="0">
+                <a:solidFill>
+                  <a:srgbClr val="FF0000"/>
+                </a:solidFill>
+              </a:rPr>
+              <a:t>B-C</a:t>
+            </a:r>
+            <a:r>
+              <a:rPr lang="tr-TR" sz="1400" b="1" dirty="0" smtClean="0">
+                <a:solidFill>
+                  <a:srgbClr val="FF0000"/>
+                </a:solidFill>
+              </a:rPr>
+              <a:t> </a:t>
+            </a:r>
+            <a:r>
+              <a:rPr lang="tr-TR" sz="1400" b="1" dirty="0">
+                <a:solidFill>
+                  <a:srgbClr val="FF0000"/>
+                </a:solidFill>
+              </a:rPr>
+              <a:t>= </a:t>
+            </a:r>
+            <a:r>
+              <a:rPr lang="tr-TR" sz="1400" b="1" dirty="0" smtClean="0">
+                <a:solidFill>
+                  <a:srgbClr val="FF0000"/>
+                </a:solidFill>
+              </a:rPr>
+              <a:t>0.96 m</a:t>
+            </a:r>
+            <a:r>
+              <a:rPr lang="tr-TR" sz="1400" b="1" baseline="-25000" dirty="0" smtClean="0">
+                <a:solidFill>
+                  <a:srgbClr val="FF0000"/>
+                </a:solidFill>
+              </a:rPr>
+              <a:t>3</a:t>
+            </a:r>
+            <a:r>
+              <a:rPr lang="tr-TR" sz="1400" b="1" dirty="0" smtClean="0">
+                <a:solidFill>
+                  <a:srgbClr val="FF0000"/>
+                </a:solidFill>
+              </a:rPr>
+              <a:t>/s</a:t>
+            </a:r>
+            <a:endParaRPr lang="en-GB" sz="1400" b="1" dirty="0">
+              <a:solidFill>
+                <a:srgbClr val="FF0000"/>
+              </a:solidFill>
+            </a:endParaRPr>
+          </a:p>
+        </p:txBody>
+      </p:sp>
+    </p:spTree>
+    <p:extLst>
+      <p:ext uri="{BB962C8B-B14F-4D97-AF65-F5344CB8AC3E}">
+        <p14:creationId xmlns:p14="http://schemas.microsoft.com/office/powerpoint/2010/main" val="5683940"/>
+      </p:ext>
+    </p:extLst>
+  </p:cSld>
+  <p:clrMapOvr>
+    <a:masterClrMapping/>
+  </p:clrMapOvr>
+  <p:timing>
+    <p:tnLst>
+      <p:par>
+        <p:cTn id="1" dur="indefinite" restart="never" nodeType="tmRoot"/>
+      </p:par>
+    </p:tnLst>
+  </p:timing>
+</p:sld>
+</file>
+
+<file path=ppt/slides/slide24.xml><?xml version="1.0" encoding="utf-8"?>
+<p:sld xmlns:a="http://schemas.openxmlformats.org/drawingml/2006/main" xmlns:r="http://schemas.openxmlformats.org/officeDocument/2006/relationships" xmlns:p="http://schemas.openxmlformats.org/presentationml/2006/main">
+  <p:cSld>
+    <p:spTree>
+      <p:nvGrpSpPr>
+        <p:cNvPr id="1" name=""/>
+        <p:cNvGrpSpPr/>
+        <p:nvPr/>
+      </p:nvGrpSpPr>
+      <p:grpSpPr>
+        <a:xfrm>
+          <a:off x="0" y="0"/>
+          <a:ext cx="0" cy="0"/>
+          <a:chOff x="0" y="0"/>
+          <a:chExt cx="0" cy="0"/>
+        </a:xfrm>
+      </p:grpSpPr>
+      <p:sp>
+        <p:nvSpPr>
+          <p:cNvPr id="2" name="Başlık 1"/>
+          <p:cNvSpPr>
+            <a:spLocks noGrp="1"/>
+          </p:cNvSpPr>
+          <p:nvPr>
+            <p:ph type="title"/>
+          </p:nvPr>
+        </p:nvSpPr>
+        <p:spPr>
+          <a:xfrm>
+            <a:off x="1580226" y="0"/>
+            <a:ext cx="7106464" cy="510301"/>
+          </a:xfrm>
+        </p:spPr>
+        <p:txBody>
+          <a:bodyPr>
+            <a:normAutofit fontScale="90000"/>
+          </a:bodyPr>
+          <a:lstStyle/>
+          <a:p>
+            <a:r>
+              <a:rPr lang="tr-TR" sz="2800" dirty="0" err="1" smtClean="0"/>
+              <a:t>Results</a:t>
+            </a:r>
+            <a:r>
+              <a:rPr lang="tr-TR" sz="2800" dirty="0" smtClean="0"/>
+              <a:t> – </a:t>
+            </a:r>
+            <a:r>
+              <a:rPr lang="tr-TR" sz="2800" dirty="0" err="1" smtClean="0"/>
+              <a:t>Power</a:t>
+            </a:r>
+            <a:r>
+              <a:rPr lang="tr-TR" sz="2800" dirty="0" smtClean="0"/>
+              <a:t> </a:t>
+            </a:r>
+            <a:r>
+              <a:rPr lang="tr-TR" sz="2800" dirty="0" err="1"/>
+              <a:t>S</a:t>
+            </a:r>
+            <a:r>
+              <a:rPr lang="tr-TR" sz="2800" dirty="0" err="1" smtClean="0"/>
+              <a:t>ystem</a:t>
+            </a:r>
+            <a:r>
+              <a:rPr lang="tr-TR" sz="2800" dirty="0" smtClean="0"/>
+              <a:t> Analysis, Case 2</a:t>
+            </a:r>
+            <a:endParaRPr lang="en-GB" sz="2800" dirty="0"/>
+          </a:p>
+        </p:txBody>
+      </p:sp>
+      <p:pic>
+        <p:nvPicPr>
+          <p:cNvPr id="2050" name="Picture 2" descr="C:\Users\Caner\Desktop\Multi-Energy-Systems-Thesis-Project\Figures\Python Figures\case2_load.png"/>
+          <p:cNvPicPr>
+            <a:picLocks noChangeAspect="1" noChangeArrowheads="1"/>
+          </p:cNvPicPr>
+          <p:nvPr/>
+        </p:nvPicPr>
+        <p:blipFill>
+          <a:blip r:embed="rId2">
+            <a:extLst>
+              <a:ext uri="{28A0092B-C50C-407E-A947-70E740481C1C}">
+                <a14:useLocalDpi xmlns:a14="http://schemas.microsoft.com/office/drawing/2010/main" val="0"/>
+              </a:ext>
+            </a:extLst>
+          </a:blip>
+          <a:srcRect/>
+          <a:stretch>
+            <a:fillRect/>
+          </a:stretch>
+        </p:blipFill>
+        <p:spPr bwMode="auto">
+          <a:xfrm>
+            <a:off x="2697480" y="2521131"/>
+            <a:ext cx="4752069" cy="2376035"/>
+          </a:xfrm>
+          <a:prstGeom prst="rect">
+            <a:avLst/>
+          </a:prstGeom>
+          <a:noFill/>
+          <a:extLst>
+            <a:ext uri="{909E8E84-426E-40DD-AFC4-6F175D3DCCD1}">
+              <a14:hiddenFill xmlns:a14="http://schemas.microsoft.com/office/drawing/2010/main">
+                <a:solidFill>
+                  <a:srgbClr val="FFFFFF"/>
+                </a:solidFill>
+              </a14:hiddenFill>
+            </a:ext>
+          </a:extLst>
+        </p:spPr>
+      </p:pic>
+      <p:pic>
+        <p:nvPicPr>
+          <p:cNvPr id="2051" name="Picture 3" descr="C:\Users\Caner\Desktop\Multi-Energy-Systems-Thesis-Project\Figures\Python Figures\cost.png"/>
+          <p:cNvPicPr>
+            <a:picLocks noChangeAspect="1" noChangeArrowheads="1"/>
+          </p:cNvPicPr>
+          <p:nvPr/>
+        </p:nvPicPr>
+        <p:blipFill>
+          <a:blip r:embed="rId3">
+            <a:extLst>
+              <a:ext uri="{28A0092B-C50C-407E-A947-70E740481C1C}">
+                <a14:useLocalDpi xmlns:a14="http://schemas.microsoft.com/office/drawing/2010/main" val="0"/>
+              </a:ext>
+            </a:extLst>
+          </a:blip>
+          <a:srcRect/>
+          <a:stretch>
+            <a:fillRect/>
+          </a:stretch>
+        </p:blipFill>
+        <p:spPr bwMode="auto">
+          <a:xfrm>
+            <a:off x="2697480" y="406671"/>
+            <a:ext cx="4728754" cy="2364377"/>
+          </a:xfrm>
+          <a:prstGeom prst="rect">
+            <a:avLst/>
+          </a:prstGeom>
+          <a:noFill/>
+          <a:extLst>
+            <a:ext uri="{909E8E84-426E-40DD-AFC4-6F175D3DCCD1}">
+              <a14:hiddenFill xmlns:a14="http://schemas.microsoft.com/office/drawing/2010/main">
+                <a:solidFill>
+                  <a:srgbClr val="FFFFFF"/>
+                </a:solidFill>
+              </a14:hiddenFill>
+            </a:ext>
+          </a:extLst>
+        </p:spPr>
+      </p:pic>
+      <p:sp>
+        <p:nvSpPr>
+          <p:cNvPr id="3" name="Oval 2"/>
+          <p:cNvSpPr/>
+          <p:nvPr/>
+        </p:nvSpPr>
+        <p:spPr>
+          <a:xfrm>
+            <a:off x="4735284" y="1177379"/>
+            <a:ext cx="326571" cy="426265"/>
+          </a:xfrm>
+          <a:prstGeom prst="ellipse">
+            <a:avLst/>
+          </a:prstGeom>
+          <a:noFill/>
+          <a:ln w="19050">
+            <a:solidFill>
+              <a:schemeClr val="accent2"/>
+            </a:solidFill>
+          </a:ln>
+        </p:spPr>
+        <p:style>
+          <a:lnRef idx="1">
+            <a:schemeClr val="accent1"/>
+          </a:lnRef>
+          <a:fillRef idx="3">
+            <a:schemeClr val="accent1"/>
+          </a:fillRef>
+          <a:effectRef idx="2">
+            <a:schemeClr val="accent1"/>
+          </a:effectRef>
+          <a:fontRef idx="minor">
+            <a:schemeClr val="lt1"/>
+          </a:fontRef>
+        </p:style>
+        <p:txBody>
+          <a:bodyPr rtlCol="0" anchor="ctr"/>
+          <a:lstStyle/>
+          <a:p>
+            <a:pPr algn="ctr"/>
+            <a:endParaRPr lang="en-GB"/>
+          </a:p>
+        </p:txBody>
+      </p:sp>
+      <p:sp>
+        <p:nvSpPr>
+          <p:cNvPr id="8" name="Oval 7"/>
+          <p:cNvSpPr/>
+          <p:nvPr/>
+        </p:nvSpPr>
+        <p:spPr>
+          <a:xfrm>
+            <a:off x="4746943" y="2806336"/>
+            <a:ext cx="326571" cy="313508"/>
+          </a:xfrm>
+          <a:prstGeom prst="ellipse">
+            <a:avLst/>
+          </a:prstGeom>
+          <a:noFill/>
+          <a:ln w="19050">
+            <a:solidFill>
+              <a:schemeClr val="accent2"/>
+            </a:solidFill>
+          </a:ln>
+        </p:spPr>
+        <p:style>
+          <a:lnRef idx="1">
+            <a:schemeClr val="accent1"/>
+          </a:lnRef>
+          <a:fillRef idx="3">
+            <a:schemeClr val="accent1"/>
+          </a:fillRef>
+          <a:effectRef idx="2">
+            <a:schemeClr val="accent1"/>
+          </a:effectRef>
+          <a:fontRef idx="minor">
+            <a:schemeClr val="lt1"/>
+          </a:fontRef>
+        </p:style>
+        <p:txBody>
+          <a:bodyPr rtlCol="0" anchor="ctr"/>
+          <a:lstStyle/>
+          <a:p>
+            <a:pPr algn="ctr"/>
+            <a:endParaRPr lang="en-GB"/>
+          </a:p>
+        </p:txBody>
+      </p:sp>
+    </p:spTree>
+    <p:extLst>
+      <p:ext uri="{BB962C8B-B14F-4D97-AF65-F5344CB8AC3E}">
+        <p14:creationId xmlns:p14="http://schemas.microsoft.com/office/powerpoint/2010/main" val="3040162054"/>
+      </p:ext>
+    </p:extLst>
+  </p:cSld>
+  <p:clrMapOvr>
+    <a:masterClrMapping/>
+  </p:clrMapOvr>
+  <p:timing>
+    <p:tnLst>
+      <p:par>
+        <p:cTn id="1" dur="indefinite" restart="never" nodeType="tmRoot"/>
+      </p:par>
+    </p:tnLst>
+  </p:timing>
+</p:sld>
+</file>
+
+<file path=ppt/slides/slide25.xml><?xml version="1.0" encoding="utf-8"?>
+<p:sld xmlns:a="http://schemas.openxmlformats.org/drawingml/2006/main" xmlns:r="http://schemas.openxmlformats.org/officeDocument/2006/relationships" xmlns:p="http://schemas.openxmlformats.org/presentationml/2006/main">
+  <p:cSld>
+    <p:spTree>
+      <p:nvGrpSpPr>
+        <p:cNvPr id="1" name=""/>
+        <p:cNvGrpSpPr/>
+        <p:nvPr/>
+      </p:nvGrpSpPr>
+      <p:grpSpPr>
+        <a:xfrm>
+          <a:off x="0" y="0"/>
+          <a:ext cx="0" cy="0"/>
+          <a:chOff x="0" y="0"/>
+          <a:chExt cx="0" cy="0"/>
+        </a:xfrm>
+      </p:grpSpPr>
+      <p:sp>
+        <p:nvSpPr>
           <p:cNvPr id="2" name="Title 1"/>
           <p:cNvSpPr>
             <a:spLocks noGrp="1"/>
@@ -14466,7 +15335,7 @@
 </p:sld>
 </file>
 
-<file path=ppt/slides/slide24.xml><?xml version="1.0" encoding="utf-8"?>
+<file path=ppt/slides/slide26.xml><?xml version="1.0" encoding="utf-8"?>
 <p:sld xmlns:a="http://schemas.openxmlformats.org/drawingml/2006/main" xmlns:r="http://schemas.openxmlformats.org/officeDocument/2006/relationships" xmlns:p="http://schemas.openxmlformats.org/presentationml/2006/main">
   <p:cSld>
     <p:spTree>
@@ -14735,7 +15604,7 @@
           <p:cNvPr id="2" name="Title 1">
             <a:extLst>
               <a:ext uri="{FF2B5EF4-FFF2-40B4-BE49-F238E27FC236}">
-                <a16:creationId xmlns:a16="http://schemas.microsoft.com/office/drawing/2014/main" xmlns="" id="{DDB70FDB-9FF9-40F9-9D37-AA5EDF300501}"/>
+                <a16:creationId xmlns="" xmlns:a16="http://schemas.microsoft.com/office/drawing/2014/main" id="{DDB70FDB-9FF9-40F9-9D37-AA5EDF300501}"/>
               </a:ext>
             </a:extLst>
           </p:cNvPr>
@@ -14787,7 +15656,7 @@
         <p:spPr>
           <a:xfrm>
             <a:off x="1681826" y="470091"/>
-            <a:ext cx="7255164" cy="4401205"/>
+            <a:ext cx="7255164" cy="3970318"/>
           </a:xfrm>
           <a:prstGeom prst="rect">
             <a:avLst/>
@@ -14838,11 +15707,19 @@
             </a:r>
             <a:r>
               <a:rPr lang="en-GB" sz="1400" dirty="0" smtClean="0"/>
+              <a:t> introduce</a:t>
+            </a:r>
+            <a:r>
+              <a:rPr lang="tr-TR" sz="1400" dirty="0" smtClean="0"/>
+              <a:t>s</a:t>
+            </a:r>
+            <a:r>
+              <a:rPr lang="en-GB" sz="1400" dirty="0" smtClean="0"/>
               <a:t> </a:t>
             </a:r>
             <a:r>
               <a:rPr lang="en-GB" sz="1400" dirty="0"/>
-              <a:t>introduce a great challenge for grid operator to balance the electricity supply and </a:t>
+              <a:t>a great challenge for grid operator to balance the electricity supply and </a:t>
             </a:r>
             <a:r>
               <a:rPr lang="en-GB" sz="1400" dirty="0" smtClean="0"/>
@@ -15050,8 +15927,8 @@
               <a:t>provided by </a:t>
             </a:r>
             <a:r>
-              <a:rPr lang="tr-TR" sz="1400" dirty="0" smtClean="0"/>
-              <a:t>P2X</a:t>
+              <a:rPr lang="tr-TR" sz="1400" dirty="0" err="1" smtClean="0"/>
+              <a:t>PtX</a:t>
             </a:r>
             <a:r>
               <a:rPr lang="en-GB" sz="1400" dirty="0" smtClean="0"/>
@@ -15090,7 +15967,11 @@
             </a:r>
             <a:r>
               <a:rPr lang="tr-TR" sz="1400" dirty="0" smtClean="0"/>
-              <a:t> of P2X</a:t>
+              <a:t> of </a:t>
+            </a:r>
+            <a:r>
+              <a:rPr lang="tr-TR" sz="1400" dirty="0" err="1" smtClean="0"/>
+              <a:t>PtX</a:t>
             </a:r>
             <a:r>
               <a:rPr lang="en-GB" sz="1400" dirty="0" smtClean="0"/>
@@ -15101,8 +15982,28 @@
               <a:t>is crucial to </a:t>
             </a:r>
             <a:r>
+              <a:rPr lang="tr-TR" sz="1400" dirty="0" err="1" smtClean="0"/>
+              <a:t>analyze</a:t>
+            </a:r>
+            <a:r>
               <a:rPr lang="en-GB" sz="1400" dirty="0" smtClean="0"/>
-              <a:t>understand flexibility</a:t>
+              <a:t> flexibility</a:t>
+            </a:r>
+            <a:r>
+              <a:rPr lang="tr-TR" sz="1400" dirty="0" smtClean="0"/>
+              <a:t> of </a:t>
+            </a:r>
+            <a:r>
+              <a:rPr lang="tr-TR" sz="1400" dirty="0" err="1" smtClean="0"/>
+              <a:t>power</a:t>
+            </a:r>
+            <a:r>
+              <a:rPr lang="tr-TR" sz="1400" dirty="0" smtClean="0"/>
+              <a:t> </a:t>
+            </a:r>
+            <a:r>
+              <a:rPr lang="tr-TR" sz="1400" dirty="0" err="1" smtClean="0"/>
+              <a:t>system</a:t>
             </a:r>
             <a:r>
               <a:rPr lang="tr-TR" sz="1400" dirty="0" smtClean="0"/>
@@ -15114,7 +16015,39 @@
             </a:r>
             <a:r>
               <a:rPr lang="en-GB" sz="1400" dirty="0"/>
-              <a:t>Inaccurate flexibility analysis of P2X may lead to increased transmission losses, higher operational cost or misinterpretation of MES </a:t>
+              <a:t>Inaccurate </a:t>
+            </a:r>
+            <a:r>
+              <a:rPr lang="tr-TR" sz="1400" dirty="0" err="1" smtClean="0"/>
+              <a:t>efficiency</a:t>
+            </a:r>
+            <a:r>
+              <a:rPr lang="tr-TR" sz="1400" dirty="0" smtClean="0"/>
+              <a:t> </a:t>
+            </a:r>
+            <a:r>
+              <a:rPr lang="tr-TR" sz="1400" dirty="0" err="1" smtClean="0"/>
+              <a:t>models</a:t>
+            </a:r>
+            <a:r>
+              <a:rPr lang="tr-TR" sz="1400" dirty="0" smtClean="0"/>
+              <a:t> </a:t>
+            </a:r>
+            <a:r>
+              <a:rPr lang="en-GB" sz="1400" dirty="0" smtClean="0"/>
+              <a:t>of P</a:t>
+            </a:r>
+            <a:r>
+              <a:rPr lang="tr-TR" sz="1400" dirty="0" smtClean="0"/>
+              <a:t>t</a:t>
+            </a:r>
+            <a:r>
+              <a:rPr lang="en-GB" sz="1400" dirty="0" smtClean="0"/>
+              <a:t>X </a:t>
+            </a:r>
+            <a:r>
+              <a:rPr lang="en-GB" sz="1400" dirty="0"/>
+              <a:t>may lead to increased transmission losses, higher operational cost or misinterpretation of MES </a:t>
             </a:r>
             <a:r>
               <a:rPr lang="en-GB" sz="1400" dirty="0" smtClean="0"/>
@@ -15134,18 +16067,6 @@
               <a:buFont typeface="Arial" panose="020B0604020202020204" pitchFamily="34" charset="0"/>
               <a:buChar char="•"/>
             </a:pPr>
-            <a:r>
-              <a:rPr lang="tr-TR" sz="1400" dirty="0" smtClean="0"/>
-              <a:t>I</a:t>
-            </a:r>
-            <a:r>
-              <a:rPr lang="en-GB" sz="1400" dirty="0" smtClean="0"/>
-              <a:t>n </a:t>
-            </a:r>
-            <a:r>
-              <a:rPr lang="en-GB" sz="1400" dirty="0"/>
-              <a:t>order to understand MES phenomena, complex control, flexibility or energy management analysis must be implemented and this brings a trade-off between model complexity and simulation time. </a:t>
-            </a:r>
             <a:r>
               <a:rPr lang="en-US" sz="1400" dirty="0" smtClean="0"/>
               <a:t>Existing </a:t>
@@ -15194,8 +16115,12 @@
           </a:p>
           <a:p>
             <a:r>
+              <a:rPr lang="tr-TR" sz="900" dirty="0" err="1" smtClean="0"/>
+              <a:t>PtX</a:t>
+            </a:r>
+            <a:r>
               <a:rPr lang="tr-TR" sz="900" dirty="0" smtClean="0"/>
-              <a:t>P2X: </a:t>
+              <a:t>: </a:t>
             </a:r>
             <a:r>
               <a:rPr lang="tr-TR" sz="900" dirty="0" err="1" smtClean="0"/>
@@ -15213,7 +16138,6 @@
               <a:rPr lang="tr-TR" sz="900" dirty="0" smtClean="0"/>
               <a:t>-X</a:t>
             </a:r>
-            <a:endParaRPr lang="tr-TR" sz="900" dirty="0" smtClean="0"/>
           </a:p>
         </p:txBody>
       </p:sp>
@@ -15533,59 +16457,19 @@
         </p:nvSpPr>
         <p:spPr>
           <a:xfrm>
-            <a:off x="1517234" y="445595"/>
-            <a:ext cx="7431694" cy="2799156"/>
+            <a:off x="1568034" y="425188"/>
+            <a:ext cx="7431694" cy="4477331"/>
           </a:xfrm>
         </p:spPr>
         <p:txBody>
           <a:bodyPr>
-            <a:normAutofit/>
+            <a:normAutofit fontScale="92500" lnSpcReduction="10000"/>
           </a:bodyPr>
           <a:lstStyle/>
           <a:p>
             <a:pPr marL="0" indent="0" algn="ctr">
               <a:buNone/>
             </a:pPr>
-            <a:r>
-              <a:rPr lang="en-GB" sz="1600" i="1" dirty="0"/>
-              <a:t>” </a:t>
-            </a:r>
-            <a:r>
-              <a:rPr lang="en-GB" sz="1600" b="1" i="1" dirty="0"/>
-              <a:t>Flexibility </a:t>
-            </a:r>
-            <a:r>
-              <a:rPr lang="tr-TR" sz="1600" i="1" dirty="0" smtClean="0"/>
-              <a:t>is</a:t>
-            </a:r>
-            <a:r>
-              <a:rPr lang="en-GB" sz="1600" i="1" dirty="0" smtClean="0"/>
-              <a:t> </a:t>
-            </a:r>
-            <a:r>
-              <a:rPr lang="en-GB" sz="1600" i="1" dirty="0"/>
-              <a:t>the ability of a component or a collection of components to </a:t>
-            </a:r>
-            <a:r>
-              <a:rPr lang="en-GB" sz="1600" i="1" dirty="0" smtClean="0"/>
-              <a:t>response</a:t>
-            </a:r>
-            <a:r>
-              <a:rPr lang="tr-TR" sz="1600" i="1" dirty="0" smtClean="0"/>
-              <a:t> </a:t>
-            </a:r>
-            <a:r>
-              <a:rPr lang="en-GB" sz="1600" i="1" dirty="0" smtClean="0"/>
-              <a:t>power fluctuations in </a:t>
-            </a:r>
-            <a:r>
-              <a:rPr lang="en-GB" sz="1600" i="1" dirty="0"/>
-              <a:t>power systems</a:t>
-            </a:r>
-            <a:r>
-              <a:rPr lang="en-GB" sz="1600" i="1" dirty="0" smtClean="0"/>
-              <a:t>.”</a:t>
-            </a:r>
             <a:endParaRPr lang="tr-TR" sz="1600" i="1" dirty="0" smtClean="0"/>
           </a:p>
           <a:p>
@@ -15593,146 +16477,356 @@
               <a:buNone/>
             </a:pPr>
             <a:r>
-              <a:rPr lang="tr-TR" sz="1600" i="1" dirty="0" smtClean="0"/>
-              <a:t/>
-            </a:r>
-            <a:br>
-              <a:rPr lang="tr-TR" sz="1600" i="1" dirty="0" smtClean="0"/>
-            </a:br>
-            <a:r>
-              <a:rPr lang="en-GB" sz="1600" i="1" dirty="0" smtClean="0"/>
+              <a:rPr lang="en-GB" sz="1500" i="1" dirty="0" smtClean="0"/>
               <a:t>” </a:t>
             </a:r>
             <a:r>
-              <a:rPr lang="en-GB" sz="1600" b="1" i="1" dirty="0"/>
-              <a:t>Hidden </a:t>
-            </a:r>
-            <a:r>
-              <a:rPr lang="en-GB" sz="1600" b="1" i="1" dirty="0" smtClean="0"/>
-              <a:t>flexibility </a:t>
-            </a:r>
-            <a:r>
-              <a:rPr lang="en-GB" sz="1600" i="1" dirty="0"/>
-              <a:t>is the effect </a:t>
-            </a:r>
-            <a:r>
-              <a:rPr lang="en-GB" sz="1600" i="1" dirty="0" smtClean="0"/>
-              <a:t>of</a:t>
-            </a:r>
-            <a:r>
-              <a:rPr lang="tr-TR" sz="1600" i="1" dirty="0" smtClean="0"/>
-              <a:t> </a:t>
-            </a:r>
-            <a:r>
-              <a:rPr lang="en-GB" sz="1600" i="1" dirty="0" smtClean="0"/>
-              <a:t>modelling  </a:t>
-            </a:r>
-            <a:r>
-              <a:rPr lang="tr-TR" sz="1600" i="1" dirty="0" err="1" smtClean="0"/>
-              <a:t>simplifications</a:t>
-            </a:r>
-            <a:r>
-              <a:rPr lang="tr-TR" sz="1600" i="1" dirty="0" smtClean="0"/>
-              <a:t> </a:t>
-            </a:r>
-            <a:r>
-              <a:rPr lang="en-GB" sz="1600" i="1" dirty="0" smtClean="0"/>
-              <a:t>on</a:t>
-            </a:r>
-            <a:r>
-              <a:rPr lang="tr-TR" sz="1600" i="1" dirty="0" smtClean="0"/>
-              <a:t> </a:t>
-            </a:r>
-            <a:r>
-              <a:rPr lang="tr-TR" sz="1600" i="1" dirty="0" err="1" smtClean="0"/>
-              <a:t>flexible</a:t>
-            </a:r>
-            <a:r>
-              <a:rPr lang="tr-TR" sz="1600" i="1" dirty="0" smtClean="0"/>
-              <a:t> </a:t>
-            </a:r>
-            <a:r>
-              <a:rPr lang="tr-TR" sz="1600" i="1" dirty="0" err="1" smtClean="0"/>
-              <a:t>load</a:t>
-            </a:r>
-            <a:r>
-              <a:rPr lang="tr-TR" sz="1600" i="1" dirty="0" smtClean="0"/>
-              <a:t> (</a:t>
-            </a:r>
-            <a:r>
-              <a:rPr lang="tr-TR" sz="1600" i="1" dirty="0" smtClean="0"/>
-              <a:t>P2X</a:t>
-            </a:r>
-            <a:r>
-              <a:rPr lang="tr-TR" sz="1600" i="1" dirty="0" smtClean="0"/>
-              <a:t>) </a:t>
-            </a:r>
-            <a:r>
-              <a:rPr lang="tr-TR" sz="1600" i="1" dirty="0" err="1" smtClean="0"/>
-              <a:t>performance</a:t>
-            </a:r>
-            <a:r>
-              <a:rPr lang="tr-TR" sz="1600" i="1" dirty="0" smtClean="0"/>
-              <a:t> </a:t>
-            </a:r>
-            <a:r>
-              <a:rPr lang="en-GB" sz="1600" i="1" dirty="0" smtClean="0"/>
-              <a:t>.”</a:t>
-            </a:r>
-            <a:endParaRPr lang="tr-TR" sz="1600" i="1" dirty="0" smtClean="0"/>
+              <a:rPr lang="tr-TR" sz="1500" b="1" i="1" dirty="0" smtClean="0"/>
+              <a:t>F</a:t>
+            </a:r>
+            <a:r>
+              <a:rPr lang="en-GB" sz="1500" b="1" i="1" dirty="0" err="1" smtClean="0"/>
+              <a:t>lexibility</a:t>
+            </a:r>
+            <a:r>
+              <a:rPr lang="en-GB" sz="1500" b="1" i="1" dirty="0" smtClean="0"/>
+              <a:t> </a:t>
+            </a:r>
+            <a:r>
+              <a:rPr lang="en-GB" sz="1500" b="1" i="1" dirty="0"/>
+              <a:t>is the ability of a component or a collection of components to </a:t>
+            </a:r>
+            <a:r>
+              <a:rPr lang="en-GB" sz="1500" b="1" i="1" dirty="0" smtClean="0"/>
+              <a:t>respond </a:t>
+            </a:r>
+            <a:r>
+              <a:rPr lang="en-GB" sz="1500" b="1" i="1" dirty="0"/>
+              <a:t>power fluctuations in power systems. </a:t>
+            </a:r>
+            <a:r>
+              <a:rPr lang="en-GB" sz="1500" i="1" dirty="0" smtClean="0"/>
+              <a:t>”</a:t>
+            </a:r>
+            <a:endParaRPr lang="tr-TR" sz="1500" i="1" dirty="0" smtClean="0"/>
           </a:p>
           <a:p>
             <a:pPr marL="0" indent="0" algn="ctr">
               <a:buNone/>
             </a:pPr>
-            <a:r>
-              <a:rPr lang="tr-TR" sz="1600" i="1" dirty="0" smtClean="0"/>
-              <a:t/>
-            </a:r>
-            <a:br>
-              <a:rPr lang="tr-TR" sz="1600" i="1" dirty="0" smtClean="0"/>
-            </a:br>
-            <a:r>
-              <a:rPr lang="en-GB" sz="1600" i="1" dirty="0" smtClean="0"/>
-              <a:t>” </a:t>
-            </a:r>
-            <a:r>
-              <a:rPr lang="en-GB" sz="1600" b="1" i="1" dirty="0"/>
-              <a:t>Optimal deployment of </a:t>
-            </a:r>
-            <a:r>
-              <a:rPr lang="en-GB" sz="1600" b="1" i="1" dirty="0" smtClean="0"/>
+            <a:endParaRPr lang="tr-TR" sz="1500" i="1" dirty="0" smtClean="0"/>
+          </a:p>
+          <a:p>
+            <a:r>
+              <a:rPr lang="tr-TR" sz="1500" i="1" dirty="0" err="1" smtClean="0"/>
+              <a:t>In</a:t>
+            </a:r>
+            <a:r>
+              <a:rPr lang="tr-TR" sz="1500" i="1" dirty="0" smtClean="0"/>
+              <a:t> </a:t>
+            </a:r>
+            <a:r>
+              <a:rPr lang="tr-TR" sz="1500" i="1" dirty="0" err="1" smtClean="0"/>
+              <a:t>this</a:t>
+            </a:r>
+            <a:r>
+              <a:rPr lang="tr-TR" sz="1500" i="1" dirty="0" smtClean="0"/>
+              <a:t> </a:t>
+            </a:r>
+            <a:r>
+              <a:rPr lang="tr-TR" sz="1500" i="1" dirty="0" err="1" smtClean="0"/>
+              <a:t>project</a:t>
+            </a:r>
+            <a:r>
+              <a:rPr lang="tr-TR" sz="1500" i="1" dirty="0" smtClean="0"/>
+              <a:t>, </a:t>
+            </a:r>
+            <a:r>
+              <a:rPr lang="tr-TR" sz="1500" i="1" dirty="0" err="1" smtClean="0"/>
+              <a:t>components</a:t>
+            </a:r>
+            <a:r>
+              <a:rPr lang="tr-TR" sz="1500" i="1" dirty="0" smtClean="0"/>
+              <a:t> </a:t>
+            </a:r>
+            <a:r>
+              <a:rPr lang="tr-TR" sz="1500" i="1" dirty="0" err="1" smtClean="0"/>
+              <a:t>are</a:t>
+            </a:r>
+            <a:r>
+              <a:rPr lang="tr-TR" sz="1500" i="1" dirty="0" smtClean="0"/>
+              <a:t> </a:t>
+            </a:r>
+            <a:r>
+              <a:rPr lang="en-GB" sz="1500" i="1" dirty="0" err="1" smtClean="0"/>
+              <a:t>PtX</a:t>
+            </a:r>
+            <a:r>
+              <a:rPr lang="tr-TR" sz="1500" i="1" dirty="0"/>
+              <a:t>s</a:t>
+            </a:r>
+            <a:r>
+              <a:rPr lang="en-GB" sz="1500" i="1" dirty="0" smtClean="0"/>
+              <a:t>, </a:t>
+            </a:r>
+            <a:r>
+              <a:rPr lang="en-GB" sz="1500" i="1" dirty="0"/>
+              <a:t>and the flexibility offered by them to support power </a:t>
+            </a:r>
+            <a:r>
+              <a:rPr lang="en-GB" sz="1500" i="1" dirty="0" smtClean="0"/>
+              <a:t>system</a:t>
+            </a:r>
+            <a:r>
+              <a:rPr lang="tr-TR" sz="1500" i="1" dirty="0" smtClean="0"/>
+              <a:t> is </a:t>
+            </a:r>
+            <a:r>
+              <a:rPr lang="tr-TR" sz="1500" i="1" dirty="0" err="1" smtClean="0"/>
+              <a:t>analyzed</a:t>
+            </a:r>
+            <a:r>
+              <a:rPr lang="tr-TR" sz="1500" i="1" dirty="0" smtClean="0"/>
+              <a:t>.</a:t>
+            </a:r>
+          </a:p>
+          <a:p>
+            <a:endParaRPr lang="tr-TR" sz="1500" i="1" dirty="0" smtClean="0"/>
+          </a:p>
+          <a:p>
+            <a:endParaRPr lang="tr-TR" sz="1500" i="1" dirty="0"/>
+          </a:p>
+          <a:p>
+            <a:endParaRPr lang="tr-TR" sz="1500" i="1" dirty="0" smtClean="0"/>
+          </a:p>
+          <a:p>
+            <a:r>
+              <a:rPr lang="tr-TR" sz="1500" i="1" dirty="0" err="1"/>
+              <a:t>PtX</a:t>
+            </a:r>
+            <a:r>
+              <a:rPr lang="tr-TR" sz="1500" i="1" dirty="0"/>
+              <a:t> </a:t>
+            </a:r>
+            <a:r>
+              <a:rPr lang="tr-TR" sz="1500" i="1" dirty="0" err="1"/>
+              <a:t>technogy</a:t>
+            </a:r>
+            <a:r>
+              <a:rPr lang="tr-TR" sz="1500" i="1" dirty="0"/>
+              <a:t> </a:t>
+            </a:r>
+            <a:r>
+              <a:rPr lang="tr-TR" sz="1500" i="1" dirty="0" err="1"/>
+              <a:t>offers</a:t>
+            </a:r>
+            <a:r>
+              <a:rPr lang="tr-TR" sz="1500" i="1" dirty="0"/>
+              <a:t>;</a:t>
+            </a:r>
+          </a:p>
+          <a:p>
+            <a:pPr lvl="1"/>
+            <a:r>
+              <a:rPr lang="tr-TR" sz="1200" i="1" dirty="0" err="1"/>
+              <a:t>Larger</a:t>
+            </a:r>
+            <a:r>
+              <a:rPr lang="tr-TR" sz="1200" i="1" dirty="0"/>
+              <a:t> </a:t>
+            </a:r>
+            <a:r>
+              <a:rPr lang="tr-TR" sz="1200" i="1" dirty="0" err="1"/>
+              <a:t>power</a:t>
+            </a:r>
+            <a:r>
+              <a:rPr lang="tr-TR" sz="1200" i="1" dirty="0"/>
+              <a:t> </a:t>
+            </a:r>
+            <a:r>
+              <a:rPr lang="tr-TR" sz="1200" i="1" dirty="0" err="1"/>
+              <a:t>balance</a:t>
+            </a:r>
+            <a:r>
+              <a:rPr lang="tr-TR" sz="1200" i="1" dirty="0"/>
+              <a:t> </a:t>
+            </a:r>
+            <a:r>
+              <a:rPr lang="tr-TR" sz="1200" i="1" dirty="0" err="1" smtClean="0"/>
               <a:t>flexibility</a:t>
             </a:r>
-            <a:r>
-              <a:rPr lang="en-GB" sz="1600" i="1" dirty="0" smtClean="0"/>
-              <a:t> </a:t>
-            </a:r>
-            <a:r>
-              <a:rPr lang="en-GB" sz="1600" i="1" dirty="0"/>
-              <a:t>is the energy management strategies of flexible loads in order </a:t>
-            </a:r>
-            <a:r>
-              <a:rPr lang="en-GB" sz="1600" i="1" dirty="0" smtClean="0"/>
-              <a:t>to</a:t>
-            </a:r>
-            <a:r>
-              <a:rPr lang="tr-TR" sz="1600" i="1" dirty="0" smtClean="0"/>
-              <a:t> </a:t>
-            </a:r>
-            <a:r>
-              <a:rPr lang="en-GB" sz="1600" i="1" dirty="0" smtClean="0"/>
-              <a:t>make </a:t>
-            </a:r>
-            <a:r>
-              <a:rPr lang="en-GB" sz="1600" i="1" dirty="0"/>
-              <a:t>the optimal use of them in a multi-energy system</a:t>
-            </a:r>
-            <a:r>
-              <a:rPr lang="en-GB" sz="1600" i="1" dirty="0" smtClean="0"/>
-              <a:t>.”</a:t>
-            </a:r>
-            <a:endParaRPr lang="tr-TR" sz="1600" i="1" dirty="0"/>
+            <a:endParaRPr lang="tr-TR" sz="1200" i="1" dirty="0" smtClean="0"/>
+          </a:p>
+          <a:p>
+            <a:pPr marL="457200" lvl="1" indent="0">
+              <a:buNone/>
+            </a:pPr>
+            <a:r>
+              <a:rPr lang="tr-TR" sz="1200" i="1" dirty="0" smtClean="0"/>
+              <a:t> </a:t>
+            </a:r>
+            <a:r>
+              <a:rPr lang="tr-TR" sz="1200" i="1" dirty="0" err="1"/>
+              <a:t>for</a:t>
+            </a:r>
+            <a:r>
+              <a:rPr lang="tr-TR" sz="1200" i="1" dirty="0"/>
+              <a:t> </a:t>
+            </a:r>
+            <a:r>
+              <a:rPr lang="tr-TR" sz="1200" i="1" dirty="0" err="1"/>
+              <a:t>the</a:t>
+            </a:r>
+            <a:r>
+              <a:rPr lang="tr-TR" sz="1200" i="1" dirty="0"/>
+              <a:t> </a:t>
+            </a:r>
+            <a:r>
+              <a:rPr lang="tr-TR" sz="1200" i="1" dirty="0" err="1"/>
+              <a:t>grid</a:t>
+            </a:r>
+            <a:endParaRPr lang="tr-TR" sz="1200" i="1" dirty="0"/>
+          </a:p>
+          <a:p>
+            <a:pPr lvl="1"/>
+            <a:r>
+              <a:rPr lang="tr-TR" sz="1200" i="1" dirty="0" err="1"/>
+              <a:t>Opportunities</a:t>
+            </a:r>
+            <a:r>
+              <a:rPr lang="tr-TR" sz="1200" i="1" dirty="0"/>
+              <a:t> </a:t>
+            </a:r>
+            <a:r>
+              <a:rPr lang="tr-TR" sz="1200" i="1" dirty="0" err="1"/>
+              <a:t>for</a:t>
+            </a:r>
+            <a:r>
+              <a:rPr lang="tr-TR" sz="1200" i="1" dirty="0"/>
+              <a:t> </a:t>
+            </a:r>
+            <a:r>
+              <a:rPr lang="tr-TR" sz="1200" i="1" dirty="0" err="1"/>
+              <a:t>demand</a:t>
+            </a:r>
+            <a:r>
+              <a:rPr lang="tr-TR" sz="1200" i="1" dirty="0"/>
+              <a:t> </a:t>
+            </a:r>
+            <a:r>
+              <a:rPr lang="tr-TR" sz="1200" i="1" dirty="0" err="1" smtClean="0"/>
+              <a:t>flexibility</a:t>
+            </a:r>
+            <a:endParaRPr lang="tr-TR" sz="1200" i="1" dirty="0" smtClean="0"/>
+          </a:p>
+          <a:p>
+            <a:pPr marL="457200" lvl="1" indent="0">
+              <a:buNone/>
+            </a:pPr>
+            <a:r>
+              <a:rPr lang="tr-TR" sz="1200" i="1" dirty="0" smtClean="0"/>
+              <a:t> </a:t>
+            </a:r>
+            <a:r>
+              <a:rPr lang="tr-TR" sz="1200" i="1" dirty="0" err="1" smtClean="0"/>
+              <a:t>by</a:t>
+            </a:r>
+            <a:r>
+              <a:rPr lang="tr-TR" sz="1200" i="1" dirty="0" smtClean="0"/>
+              <a:t> </a:t>
+            </a:r>
+            <a:r>
+              <a:rPr lang="tr-TR" sz="1200" i="1" dirty="0" err="1"/>
+              <a:t>storage</a:t>
+            </a:r>
+            <a:r>
+              <a:rPr lang="tr-TR" sz="1200" i="1" dirty="0"/>
+              <a:t> </a:t>
+            </a:r>
+            <a:r>
+              <a:rPr lang="tr-TR" sz="1200" i="1" dirty="0" err="1" smtClean="0"/>
+              <a:t>elements</a:t>
+            </a:r>
+            <a:endParaRPr lang="tr-TR" sz="1500" i="1" dirty="0" smtClean="0"/>
+          </a:p>
+          <a:p>
+            <a:endParaRPr lang="tr-TR" sz="1500" i="1" dirty="0"/>
+          </a:p>
+          <a:p>
+            <a:endParaRPr lang="tr-TR" sz="1500" i="1" dirty="0" smtClean="0"/>
+          </a:p>
+          <a:p>
+            <a:pPr marL="0" indent="0">
+              <a:buNone/>
+            </a:pPr>
+            <a:endParaRPr lang="tr-TR" sz="1500" i="1" dirty="0" smtClean="0"/>
+          </a:p>
+          <a:p>
+            <a:r>
+              <a:rPr lang="tr-TR" sz="1500" i="1" dirty="0" err="1" smtClean="0"/>
+              <a:t>This</a:t>
+            </a:r>
+            <a:r>
+              <a:rPr lang="tr-TR" sz="1500" i="1" dirty="0" smtClean="0"/>
+              <a:t> </a:t>
+            </a:r>
+            <a:r>
+              <a:rPr lang="tr-TR" sz="1500" i="1" dirty="0" err="1" smtClean="0"/>
+              <a:t>project</a:t>
+            </a:r>
+            <a:r>
+              <a:rPr lang="tr-TR" sz="1500" i="1" dirty="0" smtClean="0"/>
+              <a:t> is </a:t>
+            </a:r>
+            <a:r>
+              <a:rPr lang="en-GB" sz="1500" i="1" dirty="0" err="1" smtClean="0"/>
+              <a:t>addres</a:t>
+            </a:r>
+            <a:r>
+              <a:rPr lang="tr-TR" sz="1500" i="1" dirty="0" err="1" smtClean="0"/>
+              <a:t>sing</a:t>
+            </a:r>
+            <a:r>
+              <a:rPr lang="en-GB" sz="1500" i="1" dirty="0" smtClean="0"/>
+              <a:t> the</a:t>
+            </a:r>
+            <a:r>
+              <a:rPr lang="tr-TR" sz="1500" i="1" dirty="0" smtClean="0"/>
+              <a:t> </a:t>
+            </a:r>
+            <a:r>
+              <a:rPr lang="tr-TR" sz="1500" i="1" dirty="0" err="1" smtClean="0"/>
+              <a:t>hidden</a:t>
+            </a:r>
+            <a:r>
+              <a:rPr lang="en-GB" sz="1500" i="1" dirty="0" smtClean="0"/>
+              <a:t> </a:t>
+            </a:r>
+            <a:r>
+              <a:rPr lang="en-GB" sz="1500" i="1" dirty="0"/>
+              <a:t>effects during holding </a:t>
+            </a:r>
+            <a:r>
+              <a:rPr lang="tr-TR" sz="1500" i="1" dirty="0" err="1" smtClean="0"/>
+              <a:t>period</a:t>
+            </a:r>
+            <a:r>
+              <a:rPr lang="en-GB" sz="1500" i="1" dirty="0" smtClean="0"/>
+              <a:t> </a:t>
+            </a:r>
+            <a:r>
+              <a:rPr lang="en-GB" sz="1500" i="1" dirty="0"/>
+              <a:t>by means of the correct efficiency characterization of </a:t>
+            </a:r>
+            <a:r>
+              <a:rPr lang="en-GB" sz="1500" i="1" dirty="0" err="1"/>
+              <a:t>PtX</a:t>
+            </a:r>
+            <a:r>
+              <a:rPr lang="en-GB" sz="1500" i="1" dirty="0"/>
+              <a:t>. </a:t>
+            </a:r>
+            <a:endParaRPr lang="tr-TR" sz="1500" i="1" dirty="0" smtClean="0"/>
           </a:p>
         </p:txBody>
       </p:sp>
@@ -15741,7 +16835,7 @@
           <p:cNvPr id="5" name="Title 1">
             <a:extLst>
               <a:ext uri="{FF2B5EF4-FFF2-40B4-BE49-F238E27FC236}">
-                <a16:creationId xmlns:a16="http://schemas.microsoft.com/office/drawing/2014/main" xmlns="" id="{71364BAC-A414-45C3-BE6E-5D7FE0719C1A}"/>
+                <a16:creationId xmlns="" xmlns:a16="http://schemas.microsoft.com/office/drawing/2014/main" id="{71364BAC-A414-45C3-BE6E-5D7FE0719C1A}"/>
               </a:ext>
             </a:extLst>
           </p:cNvPr>
@@ -15804,8 +16898,8 @@
         </p:nvSpPr>
         <p:spPr>
           <a:xfrm>
-            <a:off x="7549053" y="4501606"/>
-            <a:ext cx="1594947" cy="369332"/>
+            <a:off x="7549053" y="4617022"/>
+            <a:ext cx="1594947" cy="230832"/>
           </a:xfrm>
           <a:prstGeom prst="rect">
             <a:avLst/>
@@ -15818,35 +16912,8 @@
           <a:lstStyle/>
           <a:p>
             <a:r>
-              <a:rPr lang="tr-TR" sz="900" dirty="0" smtClean="0"/>
-              <a:t>RE</a:t>
-            </a:r>
-            <a:r>
-              <a:rPr lang="en-GB" sz="900" dirty="0" smtClean="0"/>
-              <a:t>: </a:t>
-            </a:r>
-            <a:r>
               <a:rPr lang="tr-TR" sz="900" dirty="0" err="1" smtClean="0"/>
-              <a:t>Renewable</a:t>
-            </a:r>
-            <a:r>
-              <a:rPr lang="tr-TR" sz="900" dirty="0" smtClean="0"/>
-              <a:t> </a:t>
-            </a:r>
-            <a:r>
-              <a:rPr lang="tr-TR" sz="900" dirty="0" err="1"/>
-              <a:t>E</a:t>
-            </a:r>
-            <a:r>
-              <a:rPr lang="tr-TR" sz="900" dirty="0" err="1" smtClean="0"/>
-              <a:t>nergy</a:t>
-            </a:r>
-            <a:endParaRPr lang="en-GB" sz="900" dirty="0"/>
-          </a:p>
-          <a:p>
-            <a:r>
-              <a:rPr lang="tr-TR" sz="900" dirty="0" smtClean="0"/>
-              <a:t>P2X</a:t>
+              <a:t>PtX</a:t>
             </a:r>
             <a:r>
               <a:rPr lang="tr-TR" sz="900" dirty="0" smtClean="0"/>
@@ -15895,8 +16962,8 @@
         </p:blipFill>
         <p:spPr bwMode="auto">
           <a:xfrm>
-            <a:off x="3486086" y="2856905"/>
-            <a:ext cx="3544789" cy="1890922"/>
+            <a:off x="4953001" y="1753025"/>
+            <a:ext cx="3876520" cy="2067879"/>
           </a:xfrm>
           <a:prstGeom prst="rect">
             <a:avLst/>
@@ -15921,8 +16988,8 @@
         </p:nvSpPr>
         <p:spPr>
           <a:xfrm>
-            <a:off x="2829481" y="4733154"/>
-            <a:ext cx="4858000" cy="246221"/>
+            <a:off x="4883391" y="3813274"/>
+            <a:ext cx="4015739" cy="215444"/>
           </a:xfrm>
           <a:prstGeom prst="rect">
             <a:avLst/>
@@ -15937,30 +17004,30 @@
           <a:p>
             <a:pPr algn="ctr"/>
             <a:r>
-              <a:rPr lang="tr-TR" sz="1000" dirty="0"/>
+              <a:rPr lang="tr-TR" sz="800" dirty="0"/>
               <a:t>A</a:t>
             </a:r>
             <a:r>
-              <a:rPr lang="tr-TR" sz="1000" dirty="0" smtClean="0"/>
+              <a:rPr lang="tr-TR" sz="800" dirty="0" smtClean="0"/>
               <a:t>n</a:t>
             </a:r>
             <a:r>
-              <a:rPr lang="en-GB" sz="1000" dirty="0" smtClean="0"/>
-              <a:t> </a:t>
-            </a:r>
-            <a:r>
-              <a:rPr lang="en-GB" sz="1000" dirty="0"/>
+              <a:rPr lang="en-GB" sz="800" dirty="0" smtClean="0"/>
+              <a:t> </a:t>
+            </a:r>
+            <a:r>
+              <a:rPr lang="en-GB" sz="800" dirty="0"/>
               <a:t>exemplary flexible load measure with the corresponding </a:t>
             </a:r>
             <a:r>
-              <a:rPr lang="en-GB" sz="1000" dirty="0" smtClean="0"/>
+              <a:rPr lang="en-GB" sz="800" dirty="0" smtClean="0"/>
               <a:t>parameters</a:t>
             </a:r>
             <a:r>
-              <a:rPr lang="tr-TR" sz="1000" dirty="0" smtClean="0"/>
+              <a:rPr lang="tr-TR" sz="800" dirty="0" smtClean="0"/>
               <a:t> [1]</a:t>
             </a:r>
-            <a:endParaRPr lang="en-GB" sz="1000" dirty="0"/>
+            <a:endParaRPr lang="en-GB" sz="800" dirty="0"/>
           </a:p>
         </p:txBody>
       </p:sp>
@@ -16006,7 +17073,7 @@
           <p:cNvPr id="2" name="Title 1">
             <a:extLst>
               <a:ext uri="{FF2B5EF4-FFF2-40B4-BE49-F238E27FC236}">
-                <a16:creationId xmlns:a16="http://schemas.microsoft.com/office/drawing/2014/main" xmlns="" id="{93281DA3-363F-48EA-A34A-6FEE420AD856}"/>
+                <a16:creationId xmlns="" xmlns:a16="http://schemas.microsoft.com/office/drawing/2014/main" id="{93281DA3-363F-48EA-A34A-6FEE420AD856}"/>
               </a:ext>
             </a:extLst>
           </p:cNvPr>
@@ -16062,7 +17129,7 @@
         <p:spPr>
           <a:xfrm>
             <a:off x="1609053" y="470357"/>
-            <a:ext cx="7326085" cy="2906180"/>
+            <a:ext cx="7326085" cy="2322174"/>
           </a:xfrm>
           <a:prstGeom prst="rect">
             <a:avLst/>
@@ -16086,96 +17153,29 @@
               <a:buChar char="Ø"/>
             </a:pPr>
             <a:r>
-              <a:rPr lang="en-US" sz="1200" dirty="0">
+              <a:rPr lang="en-GB" sz="1200" dirty="0">
                 <a:solidFill>
                   <a:srgbClr val="000000"/>
                 </a:solidFill>
                 <a:ea typeface="Calibri"/>
                 <a:cs typeface="Times New Roman"/>
               </a:rPr>
-              <a:t>What options exist for minimizing curtailment of </a:t>
-            </a:r>
-            <a:r>
-              <a:rPr lang="en-US" sz="1200" dirty="0" smtClean="0">
+              <a:t>Which technologies have the highest potential to provide </a:t>
+            </a:r>
+            <a:r>
+              <a:rPr lang="en-GB" sz="1200" dirty="0" smtClean="0">
                 <a:solidFill>
                   <a:srgbClr val="000000"/>
                 </a:solidFill>
                 <a:ea typeface="Calibri"/>
                 <a:cs typeface="Times New Roman"/>
               </a:rPr>
-              <a:t>renewable</a:t>
-            </a:r>
-            <a:r>
-              <a:rPr lang="tr-TR" sz="1200" dirty="0" smtClean="0">
-                <a:solidFill>
-                  <a:srgbClr val="000000"/>
-                </a:solidFill>
-                <a:ea typeface="Calibri"/>
-                <a:cs typeface="Times New Roman"/>
-              </a:rPr>
-              <a:t> </a:t>
-            </a:r>
-            <a:r>
-              <a:rPr lang="tr-TR" sz="1200" dirty="0" err="1" smtClean="0">
-                <a:solidFill>
-                  <a:srgbClr val="000000"/>
-                </a:solidFill>
-                <a:ea typeface="Calibri"/>
-                <a:cs typeface="Times New Roman"/>
-              </a:rPr>
-              <a:t>energy</a:t>
-            </a:r>
-            <a:r>
-              <a:rPr lang="tr-TR" sz="1200" dirty="0" smtClean="0">
-                <a:solidFill>
-                  <a:srgbClr val="000000"/>
-                </a:solidFill>
-                <a:ea typeface="Calibri"/>
-                <a:cs typeface="Times New Roman"/>
-              </a:rPr>
-              <a:t> </a:t>
-            </a:r>
-            <a:r>
-              <a:rPr lang="tr-TR" sz="1200" dirty="0" err="1" smtClean="0">
-                <a:solidFill>
-                  <a:srgbClr val="000000"/>
-                </a:solidFill>
-                <a:ea typeface="Calibri"/>
-                <a:cs typeface="Times New Roman"/>
-              </a:rPr>
-              <a:t>sources</a:t>
-            </a:r>
-            <a:r>
-              <a:rPr lang="en-US" sz="1200" dirty="0" smtClean="0">
-                <a:solidFill>
-                  <a:srgbClr val="000000"/>
-                </a:solidFill>
-                <a:ea typeface="Calibri"/>
-                <a:cs typeface="Times New Roman"/>
-              </a:rPr>
-              <a:t> </a:t>
-            </a:r>
-            <a:r>
-              <a:rPr lang="en-US" sz="1200" dirty="0">
-                <a:solidFill>
-                  <a:srgbClr val="000000"/>
-                </a:solidFill>
-                <a:ea typeface="Calibri"/>
-                <a:cs typeface="Times New Roman"/>
-              </a:rPr>
-              <a:t>in </a:t>
-            </a:r>
-            <a:r>
-              <a:rPr lang="en-US" sz="1200" dirty="0" smtClean="0">
-                <a:solidFill>
-                  <a:srgbClr val="000000"/>
-                </a:solidFill>
-                <a:ea typeface="Calibri"/>
-                <a:cs typeface="Times New Roman"/>
-              </a:rPr>
-              <a:t>MES?</a:t>
-            </a:r>
-            <a:endParaRPr lang="en-GB" sz="1200" dirty="0" smtClean="0">
+              <a:t>flexibility?</a:t>
+            </a:r>
+            <a:endParaRPr lang="tr-TR" sz="1100" dirty="0" smtClean="0">
+              <a:solidFill>
+                <a:srgbClr val="000000"/>
+              </a:solidFill>
               <a:ea typeface="Calibri"/>
               <a:cs typeface="Times New Roman"/>
             </a:endParaRPr>
@@ -16185,9 +17185,6 @@
               <a:lnSpc>
                 <a:spcPct val="115000"/>
               </a:lnSpc>
-              <a:spcAft>
-                <a:spcPts val="0"/>
-              </a:spcAft>
               <a:buFont typeface="Arial" panose="020B0604020202020204" pitchFamily="34" charset="0"/>
               <a:buChar char="•"/>
             </a:pPr>
@@ -16214,164 +17211,31 @@
               <a:lnSpc>
                 <a:spcPct val="115000"/>
               </a:lnSpc>
-              <a:spcAft>
-                <a:spcPts val="0"/>
-              </a:spcAft>
               <a:buFont typeface="Arial" panose="020B0604020202020204" pitchFamily="34" charset="0"/>
               <a:buChar char="•"/>
             </a:pPr>
             <a:r>
-              <a:rPr lang="tr-TR" sz="1100" dirty="0" err="1" smtClean="0">
+              <a:rPr lang="en-GB" sz="1100" dirty="0" smtClean="0">
                 <a:solidFill>
                   <a:srgbClr val="000000"/>
                 </a:solidFill>
                 <a:ea typeface="Calibri"/>
                 <a:cs typeface="Times New Roman"/>
               </a:rPr>
-              <a:t>What</a:t>
-            </a:r>
-            <a:r>
-              <a:rPr lang="tr-TR" sz="1100" dirty="0" smtClean="0">
+              <a:t>What </a:t>
+            </a:r>
+            <a:r>
+              <a:rPr lang="en-GB" sz="1100" dirty="0">
                 <a:solidFill>
                   <a:srgbClr val="000000"/>
                 </a:solidFill>
                 <a:ea typeface="Calibri"/>
                 <a:cs typeface="Times New Roman"/>
               </a:rPr>
-              <a:t> is </a:t>
-            </a:r>
-            <a:r>
-              <a:rPr lang="tr-TR" sz="1100" dirty="0" err="1" smtClean="0">
-                <a:solidFill>
-                  <a:srgbClr val="000000"/>
-                </a:solidFill>
-                <a:ea typeface="Calibri"/>
-                <a:cs typeface="Times New Roman"/>
-              </a:rPr>
-              <a:t>the</a:t>
-            </a:r>
-            <a:r>
-              <a:rPr lang="tr-TR" sz="1100" dirty="0" smtClean="0">
-                <a:solidFill>
-                  <a:srgbClr val="000000"/>
-                </a:solidFill>
-                <a:ea typeface="Calibri"/>
-                <a:cs typeface="Times New Roman"/>
-              </a:rPr>
-              <a:t> </a:t>
-            </a:r>
-            <a:r>
-              <a:rPr lang="tr-TR" sz="1100" dirty="0" err="1" smtClean="0">
-                <a:solidFill>
-                  <a:srgbClr val="000000"/>
-                </a:solidFill>
-                <a:ea typeface="Calibri"/>
-                <a:cs typeface="Times New Roman"/>
-              </a:rPr>
-              <a:t>amount</a:t>
-            </a:r>
-            <a:r>
-              <a:rPr lang="tr-TR" sz="1100" dirty="0" smtClean="0">
-                <a:solidFill>
-                  <a:srgbClr val="000000"/>
-                </a:solidFill>
-                <a:ea typeface="Calibri"/>
-                <a:cs typeface="Times New Roman"/>
-              </a:rPr>
-              <a:t> of </a:t>
-            </a:r>
-            <a:r>
-              <a:rPr lang="tr-TR" sz="1100" dirty="0" err="1" smtClean="0">
-                <a:solidFill>
-                  <a:srgbClr val="000000"/>
-                </a:solidFill>
-                <a:ea typeface="Calibri"/>
-                <a:cs typeface="Times New Roman"/>
-              </a:rPr>
-              <a:t>excess</a:t>
-            </a:r>
-            <a:r>
-              <a:rPr lang="tr-TR" sz="1100" dirty="0" smtClean="0">
-                <a:solidFill>
-                  <a:srgbClr val="000000"/>
-                </a:solidFill>
-                <a:ea typeface="Calibri"/>
-                <a:cs typeface="Times New Roman"/>
-              </a:rPr>
-              <a:t> RE (</a:t>
-            </a:r>
-            <a:r>
-              <a:rPr lang="tr-TR" sz="1100" dirty="0" err="1" smtClean="0">
-                <a:solidFill>
-                  <a:srgbClr val="000000"/>
-                </a:solidFill>
-                <a:ea typeface="Calibri"/>
-                <a:cs typeface="Times New Roman"/>
-              </a:rPr>
-              <a:t>flexible</a:t>
-            </a:r>
-            <a:r>
-              <a:rPr lang="tr-TR" sz="1100" dirty="0" smtClean="0">
-                <a:solidFill>
-                  <a:srgbClr val="000000"/>
-                </a:solidFill>
-                <a:ea typeface="Calibri"/>
-                <a:cs typeface="Times New Roman"/>
-              </a:rPr>
-              <a:t> </a:t>
-            </a:r>
-            <a:r>
-              <a:rPr lang="tr-TR" sz="1100" dirty="0" err="1" smtClean="0">
-                <a:solidFill>
-                  <a:srgbClr val="000000"/>
-                </a:solidFill>
-                <a:ea typeface="Calibri"/>
-                <a:cs typeface="Times New Roman"/>
-              </a:rPr>
-              <a:t>capacity</a:t>
-            </a:r>
-            <a:r>
-              <a:rPr lang="tr-TR" sz="1100" dirty="0" smtClean="0">
-                <a:solidFill>
-                  <a:srgbClr val="000000"/>
-                </a:solidFill>
-                <a:ea typeface="Calibri"/>
-                <a:cs typeface="Times New Roman"/>
-              </a:rPr>
-              <a:t>) in </a:t>
-            </a:r>
-            <a:r>
-              <a:rPr lang="tr-TR" sz="1100" dirty="0" err="1" smtClean="0">
-                <a:solidFill>
-                  <a:srgbClr val="000000"/>
-                </a:solidFill>
-                <a:ea typeface="Calibri"/>
-                <a:cs typeface="Times New Roman"/>
-              </a:rPr>
-              <a:t>industrial</a:t>
-            </a:r>
-            <a:r>
-              <a:rPr lang="tr-TR" sz="1100" dirty="0" smtClean="0">
-                <a:solidFill>
-                  <a:srgbClr val="000000"/>
-                </a:solidFill>
-                <a:ea typeface="Calibri"/>
-                <a:cs typeface="Times New Roman"/>
-              </a:rPr>
-              <a:t> </a:t>
-            </a:r>
-            <a:r>
-              <a:rPr lang="tr-TR" sz="1100" dirty="0" err="1" smtClean="0">
-                <a:solidFill>
-                  <a:srgbClr val="000000"/>
-                </a:solidFill>
-                <a:ea typeface="Calibri"/>
-                <a:cs typeface="Times New Roman"/>
-              </a:rPr>
-              <a:t>area</a:t>
-            </a:r>
-            <a:r>
-              <a:rPr lang="tr-TR" sz="1100" dirty="0" smtClean="0">
+              <a:t>are the options in order to increase flexibility of an industrial grid</a:t>
+            </a:r>
+            <a:r>
+              <a:rPr lang="en-GB" sz="1100" dirty="0" smtClean="0">
                 <a:solidFill>
                   <a:srgbClr val="000000"/>
                 </a:solidFill>
@@ -16380,318 +17244,13 @@
               </a:rPr>
               <a:t>?</a:t>
             </a:r>
-          </a:p>
-          <a:p>
-            <a:pPr marL="628650" lvl="1" indent="-171450">
-              <a:lnSpc>
-                <a:spcPct val="115000"/>
-              </a:lnSpc>
-              <a:spcAft>
-                <a:spcPts val="0"/>
-              </a:spcAft>
-              <a:buFont typeface="Arial" panose="020B0604020202020204" pitchFamily="34" charset="0"/>
-              <a:buChar char="•"/>
-            </a:pPr>
-            <a:r>
-              <a:rPr lang="tr-TR" sz="1100" dirty="0" err="1" smtClean="0">
-                <a:solidFill>
-                  <a:srgbClr val="000000"/>
-                </a:solidFill>
-                <a:ea typeface="Calibri"/>
-                <a:cs typeface="Times New Roman"/>
-              </a:rPr>
-              <a:t>Which</a:t>
-            </a:r>
-            <a:r>
-              <a:rPr lang="tr-TR" sz="1100" dirty="0" smtClean="0">
-                <a:solidFill>
-                  <a:srgbClr val="000000"/>
-                </a:solidFill>
-                <a:ea typeface="Calibri"/>
-                <a:cs typeface="Times New Roman"/>
-              </a:rPr>
-              <a:t> P2X </a:t>
-            </a:r>
-            <a:r>
-              <a:rPr lang="tr-TR" sz="1100" dirty="0" err="1" smtClean="0">
-                <a:solidFill>
-                  <a:srgbClr val="000000"/>
-                </a:solidFill>
-                <a:ea typeface="Calibri"/>
-                <a:cs typeface="Times New Roman"/>
-              </a:rPr>
-              <a:t>option</a:t>
-            </a:r>
-            <a:r>
-              <a:rPr lang="tr-TR" sz="1100" dirty="0" smtClean="0">
-                <a:solidFill>
-                  <a:srgbClr val="000000"/>
-                </a:solidFill>
-                <a:ea typeface="Calibri"/>
-                <a:cs typeface="Times New Roman"/>
-              </a:rPr>
-              <a:t> has </a:t>
-            </a:r>
-            <a:r>
-              <a:rPr lang="tr-TR" sz="1100" dirty="0" err="1" smtClean="0">
-                <a:solidFill>
-                  <a:srgbClr val="000000"/>
-                </a:solidFill>
-                <a:ea typeface="Calibri"/>
-                <a:cs typeface="Times New Roman"/>
-              </a:rPr>
-              <a:t>the</a:t>
-            </a:r>
-            <a:r>
-              <a:rPr lang="tr-TR" sz="1100" dirty="0" smtClean="0">
-                <a:solidFill>
-                  <a:srgbClr val="000000"/>
-                </a:solidFill>
-                <a:ea typeface="Calibri"/>
-                <a:cs typeface="Times New Roman"/>
-              </a:rPr>
-              <a:t> </a:t>
-            </a:r>
-            <a:r>
-              <a:rPr lang="tr-TR" sz="1100" dirty="0" err="1" smtClean="0">
-                <a:solidFill>
-                  <a:srgbClr val="000000"/>
-                </a:solidFill>
-                <a:ea typeface="Calibri"/>
-                <a:cs typeface="Times New Roman"/>
-              </a:rPr>
-              <a:t>best</a:t>
-            </a:r>
-            <a:r>
-              <a:rPr lang="tr-TR" sz="1100" dirty="0" smtClean="0">
-                <a:solidFill>
-                  <a:srgbClr val="000000"/>
-                </a:solidFill>
-                <a:ea typeface="Calibri"/>
-                <a:cs typeface="Times New Roman"/>
-              </a:rPr>
-              <a:t> </a:t>
-            </a:r>
-            <a:r>
-              <a:rPr lang="tr-TR" sz="1100" dirty="0" err="1" smtClean="0">
-                <a:solidFill>
-                  <a:srgbClr val="000000"/>
-                </a:solidFill>
-                <a:ea typeface="Calibri"/>
-                <a:cs typeface="Times New Roman"/>
-              </a:rPr>
-              <a:t>performance</a:t>
-            </a:r>
-            <a:r>
-              <a:rPr lang="tr-TR" sz="1100" dirty="0" smtClean="0">
-                <a:solidFill>
-                  <a:srgbClr val="000000"/>
-                </a:solidFill>
-                <a:ea typeface="Calibri"/>
-                <a:cs typeface="Times New Roman"/>
-              </a:rPr>
-              <a:t> </a:t>
-            </a:r>
-            <a:r>
-              <a:rPr lang="tr-TR" sz="1100" dirty="0" err="1" smtClean="0">
-                <a:solidFill>
-                  <a:srgbClr val="000000"/>
-                </a:solidFill>
-                <a:ea typeface="Calibri"/>
-                <a:cs typeface="Times New Roman"/>
-              </a:rPr>
-              <a:t>for</a:t>
-            </a:r>
-            <a:r>
-              <a:rPr lang="tr-TR" sz="1100" dirty="0" smtClean="0">
-                <a:solidFill>
-                  <a:srgbClr val="000000"/>
-                </a:solidFill>
-                <a:ea typeface="Calibri"/>
-                <a:cs typeface="Times New Roman"/>
-              </a:rPr>
-              <a:t> </a:t>
-            </a:r>
-            <a:r>
-              <a:rPr lang="tr-TR" sz="1100" dirty="0" err="1" smtClean="0">
-                <a:solidFill>
-                  <a:srgbClr val="000000"/>
-                </a:solidFill>
-                <a:ea typeface="Calibri"/>
-                <a:cs typeface="Times New Roman"/>
-              </a:rPr>
-              <a:t>the</a:t>
-            </a:r>
-            <a:r>
-              <a:rPr lang="tr-TR" sz="1100" dirty="0" smtClean="0">
-                <a:solidFill>
-                  <a:srgbClr val="000000"/>
-                </a:solidFill>
-                <a:ea typeface="Calibri"/>
-                <a:cs typeface="Times New Roman"/>
-              </a:rPr>
-              <a:t> </a:t>
-            </a:r>
-            <a:r>
-              <a:rPr lang="tr-TR" sz="1100" dirty="0" err="1" smtClean="0">
-                <a:solidFill>
-                  <a:srgbClr val="000000"/>
-                </a:solidFill>
-                <a:ea typeface="Calibri"/>
-                <a:cs typeface="Times New Roman"/>
-              </a:rPr>
-              <a:t>grid</a:t>
-            </a:r>
-            <a:r>
-              <a:rPr lang="tr-TR" sz="1100" dirty="0" smtClean="0">
-                <a:solidFill>
-                  <a:srgbClr val="000000"/>
-                </a:solidFill>
-                <a:ea typeface="Calibri"/>
-                <a:cs typeface="Times New Roman"/>
-              </a:rPr>
-              <a:t> </a:t>
-            </a:r>
-            <a:r>
-              <a:rPr lang="tr-TR" sz="1100" dirty="0" err="1" smtClean="0">
-                <a:solidFill>
-                  <a:srgbClr val="000000"/>
-                </a:solidFill>
-                <a:ea typeface="Calibri"/>
-                <a:cs typeface="Times New Roman"/>
-              </a:rPr>
-              <a:t>and</a:t>
-            </a:r>
-            <a:r>
-              <a:rPr lang="tr-TR" sz="1100" dirty="0" smtClean="0">
-                <a:solidFill>
-                  <a:srgbClr val="000000"/>
-                </a:solidFill>
-                <a:ea typeface="Calibri"/>
-                <a:cs typeface="Times New Roman"/>
-              </a:rPr>
-              <a:t> </a:t>
-            </a:r>
-            <a:r>
-              <a:rPr lang="tr-TR" sz="1100" dirty="0" err="1" smtClean="0">
-                <a:solidFill>
-                  <a:srgbClr val="000000"/>
-                </a:solidFill>
-                <a:ea typeface="Calibri"/>
-                <a:cs typeface="Times New Roman"/>
-              </a:rPr>
-              <a:t>the</a:t>
-            </a:r>
-            <a:r>
-              <a:rPr lang="tr-TR" sz="1100" dirty="0" smtClean="0">
-                <a:solidFill>
-                  <a:srgbClr val="000000"/>
-                </a:solidFill>
-                <a:ea typeface="Calibri"/>
-                <a:cs typeface="Times New Roman"/>
-              </a:rPr>
-              <a:t> </a:t>
-            </a:r>
-            <a:r>
-              <a:rPr lang="tr-TR" sz="1100" dirty="0" err="1" smtClean="0">
-                <a:solidFill>
-                  <a:srgbClr val="000000"/>
-                </a:solidFill>
-                <a:ea typeface="Calibri"/>
-                <a:cs typeface="Times New Roman"/>
-              </a:rPr>
-              <a:t>most</a:t>
-            </a:r>
-            <a:r>
-              <a:rPr lang="tr-TR" sz="1100" dirty="0" smtClean="0">
-                <a:solidFill>
-                  <a:srgbClr val="000000"/>
-                </a:solidFill>
-                <a:ea typeface="Calibri"/>
-                <a:cs typeface="Times New Roman"/>
-              </a:rPr>
-              <a:t> </a:t>
-            </a:r>
-            <a:r>
-              <a:rPr lang="tr-TR" sz="1100" dirty="0" err="1" smtClean="0">
-                <a:solidFill>
-                  <a:srgbClr val="000000"/>
-                </a:solidFill>
-                <a:ea typeface="Calibri"/>
-                <a:cs typeface="Times New Roman"/>
-              </a:rPr>
-              <a:t>profit</a:t>
-            </a:r>
-            <a:r>
-              <a:rPr lang="tr-TR" sz="1100" dirty="0" smtClean="0">
-                <a:solidFill>
-                  <a:srgbClr val="000000"/>
-                </a:solidFill>
-                <a:ea typeface="Calibri"/>
-                <a:cs typeface="Times New Roman"/>
-              </a:rPr>
-              <a:t> </a:t>
-            </a:r>
-            <a:r>
-              <a:rPr lang="tr-TR" sz="1100" dirty="0" err="1" smtClean="0">
-                <a:solidFill>
-                  <a:srgbClr val="000000"/>
-                </a:solidFill>
-                <a:ea typeface="Calibri"/>
-                <a:cs typeface="Times New Roman"/>
-              </a:rPr>
-              <a:t>for</a:t>
-            </a:r>
-            <a:r>
-              <a:rPr lang="tr-TR" sz="1100" dirty="0" smtClean="0">
-                <a:solidFill>
-                  <a:srgbClr val="000000"/>
-                </a:solidFill>
-                <a:ea typeface="Calibri"/>
-                <a:cs typeface="Times New Roman"/>
-              </a:rPr>
-              <a:t> </a:t>
-            </a:r>
-            <a:r>
-              <a:rPr lang="tr-TR" sz="1100" dirty="0" err="1" smtClean="0">
-                <a:solidFill>
-                  <a:srgbClr val="000000"/>
-                </a:solidFill>
-                <a:ea typeface="Calibri"/>
-                <a:cs typeface="Times New Roman"/>
-              </a:rPr>
-              <a:t>the</a:t>
-            </a:r>
-            <a:r>
-              <a:rPr lang="tr-TR" sz="1100" dirty="0" smtClean="0">
-                <a:solidFill>
-                  <a:srgbClr val="000000"/>
-                </a:solidFill>
-                <a:ea typeface="Calibri"/>
-                <a:cs typeface="Times New Roman"/>
-              </a:rPr>
-              <a:t> P2X </a:t>
-            </a:r>
-            <a:r>
-              <a:rPr lang="tr-TR" sz="1100" dirty="0" err="1" smtClean="0">
-                <a:solidFill>
-                  <a:srgbClr val="000000"/>
-                </a:solidFill>
-                <a:ea typeface="Calibri"/>
-                <a:cs typeface="Times New Roman"/>
-              </a:rPr>
-              <a:t>owner</a:t>
-            </a:r>
-            <a:r>
-              <a:rPr lang="tr-TR" sz="1100" dirty="0" smtClean="0">
-                <a:solidFill>
-                  <a:srgbClr val="000000"/>
-                </a:solidFill>
-                <a:ea typeface="Calibri"/>
-                <a:cs typeface="Times New Roman"/>
-              </a:rPr>
-              <a:t>?</a:t>
-            </a:r>
+            <a:endParaRPr lang="tr-TR" sz="1100" dirty="0" smtClean="0">
+              <a:solidFill>
+                <a:srgbClr val="000000"/>
+              </a:solidFill>
+              <a:ea typeface="Calibri"/>
+              <a:cs typeface="Times New Roman"/>
+            </a:endParaRPr>
           </a:p>
           <a:p>
             <a:pPr marL="914400">
@@ -16729,217 +17288,27 @@
               <a:buChar char="Ø"/>
             </a:pPr>
             <a:r>
-              <a:rPr lang="tr-TR" sz="1200" dirty="0" err="1">
+              <a:rPr lang="en-GB" sz="1200" dirty="0">
                 <a:solidFill>
                   <a:srgbClr val="000000"/>
                 </a:solidFill>
                 <a:ea typeface="Calibri"/>
                 <a:cs typeface="Times New Roman"/>
               </a:rPr>
-              <a:t>What</a:t>
-            </a:r>
-            <a:r>
-              <a:rPr lang="tr-TR" sz="1200" dirty="0">
+              <a:t>To what extent does model fidelity impact flexibility </a:t>
+            </a:r>
+            <a:r>
+              <a:rPr lang="en-GB" sz="1200" dirty="0" smtClean="0">
                 <a:solidFill>
                   <a:srgbClr val="000000"/>
                 </a:solidFill>
                 <a:ea typeface="Calibri"/>
                 <a:cs typeface="Times New Roman"/>
               </a:rPr>
-              <a:t> is </a:t>
-            </a:r>
-            <a:r>
-              <a:rPr lang="tr-TR" sz="1200" dirty="0" err="1">
-                <a:solidFill>
-                  <a:srgbClr val="000000"/>
-                </a:solidFill>
-                <a:ea typeface="Calibri"/>
-                <a:cs typeface="Times New Roman"/>
-              </a:rPr>
-              <a:t>essential</a:t>
-            </a:r>
-            <a:r>
-              <a:rPr lang="tr-TR" sz="1200" dirty="0">
-                <a:solidFill>
-                  <a:srgbClr val="000000"/>
-                </a:solidFill>
-                <a:ea typeface="Calibri"/>
-                <a:cs typeface="Times New Roman"/>
-              </a:rPr>
-              <a:t> </a:t>
-            </a:r>
-            <a:r>
-              <a:rPr lang="tr-TR" sz="1200" dirty="0" err="1">
-                <a:solidFill>
-                  <a:srgbClr val="000000"/>
-                </a:solidFill>
-                <a:ea typeface="Calibri"/>
-                <a:cs typeface="Times New Roman"/>
-              </a:rPr>
-              <a:t>to</a:t>
-            </a:r>
-            <a:r>
-              <a:rPr lang="tr-TR" sz="1200" dirty="0">
-                <a:solidFill>
-                  <a:srgbClr val="000000"/>
-                </a:solidFill>
-                <a:ea typeface="Calibri"/>
-                <a:cs typeface="Times New Roman"/>
-              </a:rPr>
-              <a:t> model in </a:t>
-            </a:r>
-            <a:r>
-              <a:rPr lang="tr-TR" sz="1200" dirty="0" err="1">
-                <a:solidFill>
-                  <a:srgbClr val="000000"/>
-                </a:solidFill>
-                <a:ea typeface="Calibri"/>
-                <a:cs typeface="Times New Roman"/>
-              </a:rPr>
-              <a:t>order</a:t>
-            </a:r>
-            <a:r>
-              <a:rPr lang="tr-TR" sz="1200" dirty="0">
-                <a:solidFill>
-                  <a:srgbClr val="000000"/>
-                </a:solidFill>
-                <a:ea typeface="Calibri"/>
-                <a:cs typeface="Times New Roman"/>
-              </a:rPr>
-              <a:t> </a:t>
-            </a:r>
-            <a:r>
-              <a:rPr lang="tr-TR" sz="1200" dirty="0" err="1">
-                <a:solidFill>
-                  <a:srgbClr val="000000"/>
-                </a:solidFill>
-                <a:ea typeface="Calibri"/>
-                <a:cs typeface="Times New Roman"/>
-              </a:rPr>
-              <a:t>to</a:t>
-            </a:r>
-            <a:r>
-              <a:rPr lang="tr-TR" sz="1200" dirty="0">
-                <a:solidFill>
-                  <a:srgbClr val="000000"/>
-                </a:solidFill>
-                <a:ea typeface="Calibri"/>
-                <a:cs typeface="Times New Roman"/>
-              </a:rPr>
-              <a:t> </a:t>
-            </a:r>
-            <a:r>
-              <a:rPr lang="tr-TR" sz="1200" dirty="0" err="1">
-                <a:solidFill>
-                  <a:srgbClr val="000000"/>
-                </a:solidFill>
-                <a:ea typeface="Calibri"/>
-                <a:cs typeface="Times New Roman"/>
-              </a:rPr>
-              <a:t>describe</a:t>
-            </a:r>
-            <a:r>
-              <a:rPr lang="tr-TR" sz="1200" dirty="0">
-                <a:solidFill>
-                  <a:srgbClr val="000000"/>
-                </a:solidFill>
-                <a:ea typeface="Calibri"/>
-                <a:cs typeface="Times New Roman"/>
-              </a:rPr>
-              <a:t> </a:t>
-            </a:r>
-            <a:r>
-              <a:rPr lang="tr-TR" sz="1200" dirty="0" err="1">
-                <a:solidFill>
-                  <a:srgbClr val="000000"/>
-                </a:solidFill>
-                <a:ea typeface="Calibri"/>
-                <a:cs typeface="Times New Roman"/>
-              </a:rPr>
-              <a:t>the</a:t>
-            </a:r>
-            <a:r>
-              <a:rPr lang="tr-TR" sz="1200" dirty="0">
-                <a:solidFill>
-                  <a:srgbClr val="000000"/>
-                </a:solidFill>
-                <a:ea typeface="Calibri"/>
-                <a:cs typeface="Times New Roman"/>
-              </a:rPr>
-              <a:t> </a:t>
-            </a:r>
-            <a:r>
-              <a:rPr lang="tr-TR" sz="1200" dirty="0" err="1">
-                <a:solidFill>
-                  <a:srgbClr val="000000"/>
-                </a:solidFill>
-                <a:ea typeface="Calibri"/>
-                <a:cs typeface="Times New Roman"/>
-              </a:rPr>
-              <a:t>flexibility</a:t>
-            </a:r>
-            <a:r>
-              <a:rPr lang="tr-TR" sz="1200" dirty="0">
-                <a:solidFill>
-                  <a:srgbClr val="000000"/>
-                </a:solidFill>
-                <a:ea typeface="Calibri"/>
-                <a:cs typeface="Times New Roman"/>
-              </a:rPr>
-              <a:t> </a:t>
-            </a:r>
-            <a:r>
-              <a:rPr lang="tr-TR" sz="1200" dirty="0" err="1">
-                <a:solidFill>
-                  <a:srgbClr val="000000"/>
-                </a:solidFill>
-                <a:ea typeface="Calibri"/>
-                <a:cs typeface="Times New Roman"/>
-              </a:rPr>
-              <a:t>potential</a:t>
-            </a:r>
-            <a:r>
-              <a:rPr lang="tr-TR" sz="1200" dirty="0">
-                <a:solidFill>
-                  <a:srgbClr val="000000"/>
-                </a:solidFill>
-                <a:ea typeface="Calibri"/>
-                <a:cs typeface="Times New Roman"/>
-              </a:rPr>
-              <a:t> as </a:t>
-            </a:r>
-            <a:r>
-              <a:rPr lang="tr-TR" sz="1200" dirty="0" err="1">
-                <a:solidFill>
-                  <a:srgbClr val="000000"/>
-                </a:solidFill>
-                <a:ea typeface="Calibri"/>
-                <a:cs typeface="Times New Roman"/>
-              </a:rPr>
-              <a:t>precisely</a:t>
-            </a:r>
-            <a:r>
-              <a:rPr lang="tr-TR" sz="1200" dirty="0">
-                <a:solidFill>
-                  <a:srgbClr val="000000"/>
-                </a:solidFill>
-                <a:ea typeface="Calibri"/>
-                <a:cs typeface="Times New Roman"/>
-              </a:rPr>
-              <a:t> as </a:t>
-            </a:r>
-            <a:r>
-              <a:rPr lang="tr-TR" sz="1200" dirty="0" err="1">
-                <a:solidFill>
-                  <a:srgbClr val="000000"/>
-                </a:solidFill>
-                <a:ea typeface="Calibri"/>
-                <a:cs typeface="Times New Roman"/>
-              </a:rPr>
-              <a:t>possible</a:t>
-            </a:r>
-            <a:r>
-              <a:rPr lang="tr-TR" sz="1200" dirty="0">
+              <a:t>analysis</a:t>
+            </a:r>
+            <a:r>
+              <a:rPr lang="tr-TR" sz="1200" dirty="0" smtClean="0">
                 <a:solidFill>
                   <a:srgbClr val="000000"/>
                 </a:solidFill>
@@ -16948,6 +17317,13 @@
               </a:rPr>
               <a:t>?</a:t>
             </a:r>
+            <a:endParaRPr lang="tr-TR" sz="1200" dirty="0">
+              <a:solidFill>
+                <a:srgbClr val="000000"/>
+              </a:solidFill>
+              <a:ea typeface="Calibri"/>
+              <a:cs typeface="Times New Roman"/>
+            </a:endParaRPr>
           </a:p>
           <a:p>
             <a:pPr marL="628650" lvl="1" indent="-171450">
@@ -17357,152 +17733,30 @@
               <a:buChar char="Ø"/>
             </a:pPr>
             <a:r>
-              <a:rPr lang="tr-TR" sz="1200" dirty="0" err="1" smtClean="0">
+              <a:rPr lang="en-GB" sz="1200" dirty="0">
                 <a:ea typeface="Calibri"/>
                 <a:cs typeface="Times New Roman"/>
               </a:rPr>
-              <a:t>What</a:t>
+              <a:t>How to manage optimal deployment of flexibility considering individual resource </a:t>
+            </a:r>
+            <a:r>
+              <a:rPr lang="en-GB" sz="1200" dirty="0" smtClean="0">
+                <a:ea typeface="Calibri"/>
+                <a:cs typeface="Times New Roman"/>
+              </a:rPr>
+              <a:t>constraints</a:t>
             </a:r>
             <a:r>
               <a:rPr lang="tr-TR" sz="1200" dirty="0" smtClean="0">
                 <a:ea typeface="Calibri"/>
                 <a:cs typeface="Times New Roman"/>
               </a:rPr>
-              <a:t> </a:t>
-            </a:r>
-            <a:r>
-              <a:rPr lang="tr-TR" sz="1200" dirty="0" err="1">
-                <a:ea typeface="Calibri"/>
-                <a:cs typeface="Times New Roman"/>
-              </a:rPr>
-              <a:t>should</a:t>
-            </a:r>
-            <a:r>
-              <a:rPr lang="tr-TR" sz="1200" dirty="0">
-                <a:ea typeface="Calibri"/>
-                <a:cs typeface="Times New Roman"/>
-              </a:rPr>
-              <a:t> be </a:t>
-            </a:r>
-            <a:r>
-              <a:rPr lang="tr-TR" sz="1200" dirty="0" err="1">
-                <a:ea typeface="Calibri"/>
-                <a:cs typeface="Times New Roman"/>
-              </a:rPr>
-              <a:t>the</a:t>
-            </a:r>
-            <a:r>
-              <a:rPr lang="tr-TR" sz="1200" dirty="0">
-                <a:ea typeface="Calibri"/>
-                <a:cs typeface="Times New Roman"/>
-              </a:rPr>
-              <a:t> </a:t>
-            </a:r>
-            <a:r>
-              <a:rPr lang="tr-TR" sz="1200" dirty="0" err="1">
-                <a:ea typeface="Calibri"/>
-                <a:cs typeface="Times New Roman"/>
-              </a:rPr>
-              <a:t>energy</a:t>
-            </a:r>
-            <a:r>
-              <a:rPr lang="tr-TR" sz="1200" dirty="0">
-                <a:ea typeface="Calibri"/>
-                <a:cs typeface="Times New Roman"/>
-              </a:rPr>
-              <a:t> </a:t>
-            </a:r>
-            <a:r>
-              <a:rPr lang="tr-TR" sz="1200" dirty="0" err="1">
-                <a:ea typeface="Calibri"/>
-                <a:cs typeface="Times New Roman"/>
-              </a:rPr>
-              <a:t>management</a:t>
-            </a:r>
-            <a:r>
-              <a:rPr lang="tr-TR" sz="1200" dirty="0">
-                <a:ea typeface="Calibri"/>
-                <a:cs typeface="Times New Roman"/>
-              </a:rPr>
-              <a:t> </a:t>
-            </a:r>
-            <a:r>
-              <a:rPr lang="tr-TR" sz="1200" dirty="0" err="1">
-                <a:ea typeface="Calibri"/>
-                <a:cs typeface="Times New Roman"/>
-              </a:rPr>
-              <a:t>strategy</a:t>
-            </a:r>
-            <a:r>
-              <a:rPr lang="tr-TR" sz="1200" dirty="0">
-                <a:ea typeface="Calibri"/>
-                <a:cs typeface="Times New Roman"/>
-              </a:rPr>
-              <a:t> of MES </a:t>
-            </a:r>
-            <a:r>
-              <a:rPr lang="tr-TR" sz="1200" dirty="0" err="1" smtClean="0">
-                <a:ea typeface="Calibri"/>
-                <a:cs typeface="Times New Roman"/>
-              </a:rPr>
-              <a:t>for</a:t>
-            </a:r>
-            <a:r>
-              <a:rPr lang="tr-TR" sz="1200" dirty="0" smtClean="0">
-                <a:ea typeface="Calibri"/>
-                <a:cs typeface="Times New Roman"/>
-              </a:rPr>
-              <a:t> </a:t>
-            </a:r>
-            <a:r>
-              <a:rPr lang="tr-TR" sz="1200" dirty="0" err="1" smtClean="0">
-                <a:ea typeface="Calibri"/>
-                <a:cs typeface="Times New Roman"/>
-              </a:rPr>
-              <a:t>the</a:t>
-            </a:r>
-            <a:r>
-              <a:rPr lang="tr-TR" sz="1200" dirty="0" smtClean="0">
-                <a:ea typeface="Calibri"/>
-                <a:cs typeface="Times New Roman"/>
-              </a:rPr>
-              <a:t> </a:t>
-            </a:r>
-            <a:r>
-              <a:rPr lang="tr-TR" sz="1200" dirty="0">
-                <a:ea typeface="Calibri"/>
-                <a:cs typeface="Times New Roman"/>
-              </a:rPr>
-              <a:t>optimal </a:t>
-            </a:r>
-            <a:r>
-              <a:rPr lang="tr-TR" sz="1200" dirty="0" err="1">
-                <a:ea typeface="Calibri"/>
-                <a:cs typeface="Times New Roman"/>
-              </a:rPr>
-              <a:t>use</a:t>
-            </a:r>
-            <a:r>
-              <a:rPr lang="tr-TR" sz="1200" dirty="0">
-                <a:ea typeface="Calibri"/>
-                <a:cs typeface="Times New Roman"/>
-              </a:rPr>
-              <a:t> of </a:t>
-            </a:r>
-            <a:r>
-              <a:rPr lang="tr-TR" sz="1200" dirty="0" err="1">
-                <a:ea typeface="Calibri"/>
-                <a:cs typeface="Times New Roman"/>
-              </a:rPr>
-              <a:t>resources</a:t>
-            </a:r>
-            <a:r>
-              <a:rPr lang="tr-TR" sz="1200" dirty="0">
-                <a:ea typeface="Calibri"/>
-                <a:cs typeface="Times New Roman"/>
-              </a:rPr>
               <a:t>?</a:t>
             </a:r>
+            <a:endParaRPr lang="tr-TR" sz="1200" dirty="0">
+              <a:ea typeface="Calibri"/>
+              <a:cs typeface="Times New Roman"/>
+            </a:endParaRPr>
           </a:p>
           <a:p>
             <a:pPr marL="628650" lvl="1" indent="-171450">
@@ -17516,18 +17770,8 @@
               <a:buChar char="•"/>
             </a:pPr>
             <a:r>
-              <a:rPr lang="en-GB" sz="1100" dirty="0">
-                <a:ea typeface="Calibri"/>
-                <a:cs typeface="Times New Roman"/>
-              </a:rPr>
-              <a:t>How different energy domains combined and </a:t>
-            </a:r>
-            <a:r>
-              <a:rPr lang="en-GB" sz="1100" dirty="0" smtClean="0">
-                <a:ea typeface="Calibri"/>
-                <a:cs typeface="Times New Roman"/>
-              </a:rPr>
-              <a:t>optimized?</a:t>
+              <a:rPr lang="en-GB" sz="1100" dirty="0"/>
+              <a:t>How to combine models representing different energy vectors efficiently?</a:t>
             </a:r>
             <a:endParaRPr lang="tr-TR" sz="1100" dirty="0" smtClean="0">
               <a:ea typeface="Calibri"/>
@@ -17643,138 +17887,6 @@
               </a:rPr>
               <a:t>?</a:t>
             </a:r>
-          </a:p>
-          <a:p>
-            <a:pPr marL="628650" lvl="1" indent="-171450">
-              <a:lnSpc>
-                <a:spcPct val="115000"/>
-              </a:lnSpc>
-              <a:buFont typeface="Arial" panose="020B0604020202020204" pitchFamily="34" charset="0"/>
-              <a:buChar char="•"/>
-            </a:pPr>
-            <a:r>
-              <a:rPr lang="tr-TR" sz="1100" dirty="0">
-                <a:ea typeface="Calibri"/>
-                <a:cs typeface="Times New Roman"/>
-              </a:rPr>
-              <a:t>How </a:t>
-            </a:r>
-            <a:r>
-              <a:rPr lang="tr-TR" sz="1100" dirty="0" err="1">
-                <a:ea typeface="Calibri"/>
-                <a:cs typeface="Times New Roman"/>
-              </a:rPr>
-              <a:t>to</a:t>
-            </a:r>
-            <a:r>
-              <a:rPr lang="tr-TR" sz="1100" dirty="0">
-                <a:ea typeface="Calibri"/>
-                <a:cs typeface="Times New Roman"/>
-              </a:rPr>
-              <a:t> </a:t>
-            </a:r>
-            <a:r>
-              <a:rPr lang="tr-TR" sz="1100" dirty="0" err="1">
-                <a:ea typeface="Calibri"/>
-                <a:cs typeface="Times New Roman"/>
-              </a:rPr>
-              <a:t>distribute</a:t>
-            </a:r>
-            <a:r>
-              <a:rPr lang="tr-TR" sz="1100" dirty="0">
-                <a:ea typeface="Calibri"/>
-                <a:cs typeface="Times New Roman"/>
-              </a:rPr>
-              <a:t> </a:t>
-            </a:r>
-            <a:r>
-              <a:rPr lang="tr-TR" sz="1100" dirty="0" err="1">
-                <a:ea typeface="Calibri"/>
-                <a:cs typeface="Times New Roman"/>
-              </a:rPr>
-              <a:t>excess</a:t>
-            </a:r>
-            <a:r>
-              <a:rPr lang="tr-TR" sz="1100" dirty="0">
-                <a:ea typeface="Calibri"/>
-                <a:cs typeface="Times New Roman"/>
-              </a:rPr>
-              <a:t> </a:t>
-            </a:r>
-            <a:r>
-              <a:rPr lang="tr-TR" sz="1100" dirty="0" err="1">
-                <a:ea typeface="Calibri"/>
-                <a:cs typeface="Times New Roman"/>
-              </a:rPr>
-              <a:t>energy</a:t>
-            </a:r>
-            <a:r>
-              <a:rPr lang="tr-TR" sz="1100" dirty="0">
-                <a:ea typeface="Calibri"/>
-                <a:cs typeface="Times New Roman"/>
-              </a:rPr>
-              <a:t> </a:t>
-            </a:r>
-            <a:r>
-              <a:rPr lang="tr-TR" sz="1100" dirty="0" err="1">
-                <a:ea typeface="Calibri"/>
-                <a:cs typeface="Times New Roman"/>
-              </a:rPr>
-              <a:t>between</a:t>
-            </a:r>
-            <a:r>
-              <a:rPr lang="tr-TR" sz="1100" dirty="0">
-                <a:ea typeface="Calibri"/>
-                <a:cs typeface="Times New Roman"/>
-              </a:rPr>
-              <a:t> </a:t>
-            </a:r>
-            <a:r>
-              <a:rPr lang="tr-TR" sz="1100" dirty="0" err="1">
-                <a:ea typeface="Calibri"/>
-                <a:cs typeface="Times New Roman"/>
-              </a:rPr>
-              <a:t>flexible</a:t>
-            </a:r>
-            <a:r>
-              <a:rPr lang="tr-TR" sz="1100" dirty="0">
-                <a:ea typeface="Calibri"/>
-                <a:cs typeface="Times New Roman"/>
-              </a:rPr>
-              <a:t> </a:t>
-            </a:r>
-            <a:r>
-              <a:rPr lang="tr-TR" sz="1100" dirty="0" err="1">
-                <a:ea typeface="Calibri"/>
-                <a:cs typeface="Times New Roman"/>
-              </a:rPr>
-              <a:t>loads</a:t>
-            </a:r>
-            <a:r>
-              <a:rPr lang="tr-TR" sz="1100" dirty="0" smtClean="0">
-                <a:ea typeface="Calibri"/>
-                <a:cs typeface="Times New Roman"/>
-              </a:rPr>
-              <a:t>?</a:t>
-            </a:r>
-            <a:endParaRPr lang="tr-TR" sz="1100" dirty="0">
-              <a:ea typeface="Calibri"/>
-              <a:cs typeface="Times New Roman"/>
-            </a:endParaRPr>
-          </a:p>
-          <a:p>
-            <a:pPr lvl="1">
-              <a:lnSpc>
-                <a:spcPct val="115000"/>
-              </a:lnSpc>
-              <a:spcAft>
-                <a:spcPts val="0"/>
-              </a:spcAft>
-            </a:pPr>
-            <a:endParaRPr lang="tr-TR" sz="1100" dirty="0">
-              <a:ea typeface="Calibri"/>
-              <a:cs typeface="Times New Roman"/>
-            </a:endParaRPr>
           </a:p>
         </p:txBody>
       </p:sp>
@@ -17787,7 +17899,7 @@
         <p:spPr>
           <a:xfrm>
             <a:off x="7274733" y="4533620"/>
-            <a:ext cx="1574627" cy="507831"/>
+            <a:ext cx="1574627" cy="230832"/>
           </a:xfrm>
           <a:prstGeom prst="rect">
             <a:avLst/>
@@ -17801,47 +17913,11 @@
           <a:p>
             <a:r>
               <a:rPr lang="en-GB" sz="900" dirty="0"/>
-              <a:t>MES: Multi Energy System</a:t>
-            </a:r>
-          </a:p>
-          <a:p>
-            <a:r>
-              <a:rPr lang="tr-TR" sz="900" dirty="0" smtClean="0"/>
-              <a:t>P2X: </a:t>
-            </a:r>
-            <a:r>
-              <a:rPr lang="tr-TR" sz="900" dirty="0" err="1" smtClean="0"/>
-              <a:t>Power</a:t>
-            </a:r>
-            <a:r>
-              <a:rPr lang="tr-TR" sz="900" dirty="0" smtClean="0"/>
-              <a:t>-</a:t>
-            </a:r>
-            <a:r>
-              <a:rPr lang="tr-TR" sz="900" dirty="0" err="1" smtClean="0"/>
-              <a:t>to</a:t>
-            </a:r>
-            <a:r>
-              <a:rPr lang="tr-TR" sz="900" dirty="0" smtClean="0"/>
-              <a:t>-X</a:t>
-            </a:r>
-          </a:p>
-          <a:p>
-            <a:r>
-              <a:rPr lang="tr-TR" sz="900" dirty="0" smtClean="0"/>
-              <a:t>RE: </a:t>
-            </a:r>
-            <a:r>
-              <a:rPr lang="tr-TR" sz="900" dirty="0" err="1" smtClean="0"/>
-              <a:t>Renewable</a:t>
-            </a:r>
-            <a:r>
-              <a:rPr lang="tr-TR" sz="900" dirty="0" smtClean="0"/>
-              <a:t> </a:t>
-            </a:r>
-            <a:r>
-              <a:rPr lang="tr-TR" sz="900" dirty="0" err="1" smtClean="0"/>
-              <a:t>Energy</a:t>
+              <a:t>MES: Multi Energy </a:t>
+            </a:r>
+            <a:r>
+              <a:rPr lang="en-GB" sz="900" dirty="0" smtClean="0"/>
+              <a:t>System</a:t>
             </a:r>
             <a:endParaRPr lang="en-GB" sz="900" dirty="0"/>
           </a:p>
@@ -18047,8 +18123,8 @@
         </p:nvSpPr>
         <p:spPr>
           <a:xfrm>
-            <a:off x="6908800" y="4427548"/>
-            <a:ext cx="1953151" cy="646331"/>
+            <a:off x="6655526" y="4427548"/>
+            <a:ext cx="2206425" cy="646331"/>
           </a:xfrm>
           <a:prstGeom prst="rect">
             <a:avLst/>
@@ -18061,9 +18137,30 @@
           <a:lstStyle/>
           <a:p>
             <a:r>
-              <a:rPr lang="en-GB" sz="900" dirty="0"/>
-              <a:t>MES: Multi Energy System</a:t>
-            </a:r>
+              <a:rPr lang="tr-TR" sz="900" dirty="0" smtClean="0"/>
+              <a:t>PEM</a:t>
+            </a:r>
+            <a:r>
+              <a:rPr lang="en-GB" sz="900" dirty="0" smtClean="0"/>
+              <a:t>: </a:t>
+            </a:r>
+            <a:r>
+              <a:rPr lang="tr-TR" sz="900" dirty="0" smtClean="0"/>
+              <a:t>Proton Exchange </a:t>
+            </a:r>
+            <a:r>
+              <a:rPr lang="tr-TR" sz="900" dirty="0" err="1"/>
+              <a:t>M</a:t>
+            </a:r>
+            <a:r>
+              <a:rPr lang="tr-TR" sz="900" dirty="0" err="1" smtClean="0"/>
+              <a:t>embrane</a:t>
+            </a:r>
+            <a:r>
+              <a:rPr lang="en-GB" sz="900" dirty="0" smtClean="0"/>
+              <a:t> </a:t>
+            </a:r>
+            <a:endParaRPr lang="tr-TR" sz="900" dirty="0"/>
           </a:p>
           <a:p>
             <a:r>
@@ -18151,28 +18248,20 @@
               <a:buChar char="•"/>
             </a:pPr>
             <a:r>
+              <a:rPr lang="tr-TR" sz="1400" dirty="0" smtClean="0"/>
+              <a:t>PEM </a:t>
+            </a:r>
+            <a:r>
               <a:rPr lang="tr-TR" sz="1400" dirty="0" err="1" smtClean="0"/>
-              <a:t>Green</a:t>
+              <a:t>Electrolyser</a:t>
             </a:r>
             <a:r>
               <a:rPr lang="tr-TR" sz="1400" dirty="0" smtClean="0"/>
               <a:t> </a:t>
             </a:r>
             <a:r>
-              <a:rPr lang="tr-TR" sz="1400" dirty="0" err="1"/>
-              <a:t>hydrogen</a:t>
-            </a:r>
-            <a:r>
               <a:rPr lang="tr-TR" sz="1400" dirty="0"/>
-              <a:t> (PEM </a:t>
-            </a:r>
-            <a:r>
-              <a:rPr lang="tr-TR" sz="1400" dirty="0" err="1"/>
-              <a:t>Electrolyser</a:t>
-            </a:r>
-            <a:r>
-              <a:rPr lang="tr-TR" sz="1400" dirty="0"/>
-              <a:t>) is </a:t>
+              <a:t>is </a:t>
             </a:r>
             <a:r>
               <a:rPr lang="tr-TR" sz="1400" dirty="0" err="1"/>
@@ -18373,7 +18462,6 @@
               <a:rPr lang="tr-TR" sz="1400" dirty="0" smtClean="0"/>
               <a:t>, 2018).</a:t>
             </a:r>
-            <a:endParaRPr lang="tr-TR" sz="1400" dirty="0" smtClean="0"/>
           </a:p>
           <a:p>
             <a:pPr algn="just"/>
@@ -18543,7 +18631,7 @@
           <p:nvPr>
             <p:extLst>
               <p:ext uri="{D42A27DB-BD31-4B8C-83A1-F6EECF244321}">
-                <p14:modId xmlns:p14="http://schemas.microsoft.com/office/powerpoint/2010/main" val="2492370867"/>
+                <p14:modId xmlns:p14="http://schemas.microsoft.com/office/powerpoint/2010/main" val="1078223510"/>
               </p:ext>
             </p:extLst>
           </p:nvPr>
@@ -19008,15 +19096,52 @@
                     <a:p>
                       <a:pPr algn="ctr" fontAlgn="ctr"/>
                       <a:r>
-                        <a:rPr lang="en-GB" sz="1100" b="1" i="0" u="none" strike="noStrike">
+                        <a:rPr lang="en-GB" sz="1100" b="1" i="0" u="none" strike="noStrike" dirty="0">
                           <a:solidFill>
                             <a:srgbClr val="000000"/>
                           </a:solidFill>
                           <a:effectLst/>
                           <a:latin typeface="Calibri"/>
                         </a:rPr>
-                        <a:t>Industrial P2G</a:t>
+                        <a:t>Industrial </a:t>
                       </a:r>
+                      <a:r>
+                        <a:rPr lang="en-GB" sz="1100" b="1" i="0" u="none" strike="noStrike" dirty="0" smtClean="0">
+                          <a:solidFill>
+                            <a:srgbClr val="000000"/>
+                          </a:solidFill>
+                          <a:effectLst/>
+                          <a:latin typeface="Calibri"/>
+                        </a:rPr>
+                        <a:t>P</a:t>
+                      </a:r>
+                      <a:r>
+                        <a:rPr lang="tr-TR" sz="1100" b="1" i="0" u="none" strike="noStrike" dirty="0" smtClean="0">
+                          <a:solidFill>
+                            <a:srgbClr val="000000"/>
+                          </a:solidFill>
+                          <a:effectLst/>
+                          <a:latin typeface="Calibri"/>
+                        </a:rPr>
+                        <a:t>t</a:t>
+                      </a:r>
+                      <a:r>
+                        <a:rPr lang="en-GB" sz="1100" b="1" i="0" u="none" strike="noStrike" dirty="0" smtClean="0">
+                          <a:solidFill>
+                            <a:srgbClr val="000000"/>
+                          </a:solidFill>
+                          <a:effectLst/>
+                          <a:latin typeface="Calibri"/>
+                        </a:rPr>
+                        <a:t>G</a:t>
+                      </a:r>
+                      <a:endParaRPr lang="en-GB" sz="1100" b="1" i="0" u="none" strike="noStrike" dirty="0">
+                        <a:solidFill>
+                          <a:srgbClr val="000000"/>
+                        </a:solidFill>
+                        <a:effectLst/>
+                        <a:latin typeface="Calibri"/>
+                      </a:endParaRPr>
                     </a:p>
                   </a:txBody>
                   <a:tcPr marL="7620" marR="7620" marT="7620" marB="0" anchor="ctr">
@@ -19349,15 +19474,52 @@
                     <a:p>
                       <a:pPr algn="ctr" fontAlgn="ctr"/>
                       <a:r>
-                        <a:rPr lang="en-GB" sz="1100" b="1" i="0" u="none" strike="noStrike">
+                        <a:rPr lang="en-GB" sz="1100" b="1" i="0" u="none" strike="noStrike" dirty="0">
                           <a:solidFill>
                             <a:srgbClr val="000000"/>
                           </a:solidFill>
                           <a:effectLst/>
                           <a:latin typeface="Calibri"/>
                         </a:rPr>
-                        <a:t>District Heating P2H</a:t>
+                        <a:t>District Heating </a:t>
                       </a:r>
+                      <a:r>
+                        <a:rPr lang="en-GB" sz="1100" b="1" i="0" u="none" strike="noStrike" dirty="0" smtClean="0">
+                          <a:solidFill>
+                            <a:srgbClr val="000000"/>
+                          </a:solidFill>
+                          <a:effectLst/>
+                          <a:latin typeface="Calibri"/>
+                        </a:rPr>
+                        <a:t>P</a:t>
+                      </a:r>
+                      <a:r>
+                        <a:rPr lang="tr-TR" sz="1100" b="1" i="0" u="none" strike="noStrike" dirty="0" smtClean="0">
+                          <a:solidFill>
+                            <a:srgbClr val="000000"/>
+                          </a:solidFill>
+                          <a:effectLst/>
+                          <a:latin typeface="Calibri"/>
+                        </a:rPr>
+                        <a:t>t</a:t>
+                      </a:r>
+                      <a:r>
+                        <a:rPr lang="en-GB" sz="1100" b="1" i="0" u="none" strike="noStrike" dirty="0" smtClean="0">
+                          <a:solidFill>
+                            <a:srgbClr val="000000"/>
+                          </a:solidFill>
+                          <a:effectLst/>
+                          <a:latin typeface="Calibri"/>
+                        </a:rPr>
+                        <a:t>H</a:t>
+                      </a:r>
+                      <a:endParaRPr lang="en-GB" sz="1100" b="1" i="0" u="none" strike="noStrike" dirty="0">
+                        <a:solidFill>
+                          <a:srgbClr val="000000"/>
+                        </a:solidFill>
+                        <a:effectLst/>
+                        <a:latin typeface="Calibri"/>
+                      </a:endParaRPr>
                     </a:p>
                   </a:txBody>
                   <a:tcPr marL="7620" marR="7620" marT="7620" marB="0" anchor="ctr">
@@ -19926,8 +20088,12 @@
           <a:lstStyle/>
           <a:p>
             <a:r>
+              <a:rPr lang="tr-TR" sz="900" dirty="0" err="1" smtClean="0"/>
+              <a:t>PtG</a:t>
+            </a:r>
+            <a:r>
               <a:rPr lang="tr-TR" sz="900" dirty="0" smtClean="0"/>
-              <a:t>P2G: </a:t>
+              <a:t>: </a:t>
             </a:r>
             <a:r>
               <a:rPr lang="tr-TR" sz="900" dirty="0" err="1" smtClean="0"/>
@@ -19937,8 +20103,12 @@
           </a:p>
           <a:p>
             <a:r>
+              <a:rPr lang="tr-TR" sz="900" dirty="0" err="1" smtClean="0"/>
+              <a:t>PtH</a:t>
+            </a:r>
+            <a:r>
               <a:rPr lang="tr-TR" sz="900" dirty="0" smtClean="0"/>
-              <a:t>P2H: </a:t>
+              <a:t>: </a:t>
             </a:r>
             <a:r>
               <a:rPr lang="tr-TR" sz="900" dirty="0" err="1" smtClean="0"/>
@@ -24375,7 +24545,7 @@
   <a:extraClrSchemeLst/>
   <a:extLst>
     <a:ext uri="{05A4C25C-085E-4340-85A3-A5531E510DB2}">
-      <thm15:themeFamily xmlns:thm15="http://schemas.microsoft.com/office/thememl/2012/main" xmlns="" name="Office Theme" id="{62F939B6-93AF-4DB8-9C6B-D6C7DFDC589F}" vid="{4A3C46E8-61CC-4603-A589-7422A47A8E4A}"/>
+      <thm15:themeFamily xmlns="" xmlns:thm15="http://schemas.microsoft.com/office/thememl/2012/main" name="Office Theme" id="{62F939B6-93AF-4DB8-9C6B-D6C7DFDC589F}" vid="{4A3C46E8-61CC-4603-A589-7422A47A8E4A}"/>
     </a:ext>
   </a:extLst>
 </a:theme>
